--- a/prezentacije/1-7 Angular webshop.pptx
+++ b/prezentacije/1-7 Angular webshop.pptx
@@ -8,41 +8,46 @@
     <p:sldId id="293" r:id="rId2"/>
     <p:sldId id="296" r:id="rId3"/>
     <p:sldId id="295" r:id="rId4"/>
-    <p:sldId id="294" r:id="rId5"/>
-    <p:sldId id="258" r:id="rId6"/>
-    <p:sldId id="259" r:id="rId7"/>
-    <p:sldId id="260" r:id="rId8"/>
-    <p:sldId id="261" r:id="rId9"/>
-    <p:sldId id="262" r:id="rId10"/>
-    <p:sldId id="263" r:id="rId11"/>
-    <p:sldId id="264" r:id="rId12"/>
-    <p:sldId id="265" r:id="rId13"/>
-    <p:sldId id="266" r:id="rId14"/>
-    <p:sldId id="267" r:id="rId15"/>
-    <p:sldId id="268" r:id="rId16"/>
-    <p:sldId id="269" r:id="rId17"/>
-    <p:sldId id="270" r:id="rId18"/>
-    <p:sldId id="271" r:id="rId19"/>
-    <p:sldId id="272" r:id="rId20"/>
-    <p:sldId id="273" r:id="rId21"/>
-    <p:sldId id="274" r:id="rId22"/>
-    <p:sldId id="276" r:id="rId23"/>
-    <p:sldId id="277" r:id="rId24"/>
-    <p:sldId id="278" r:id="rId25"/>
-    <p:sldId id="279" r:id="rId26"/>
-    <p:sldId id="280" r:id="rId27"/>
-    <p:sldId id="281" r:id="rId28"/>
-    <p:sldId id="282" r:id="rId29"/>
-    <p:sldId id="283" r:id="rId30"/>
-    <p:sldId id="284" r:id="rId31"/>
-    <p:sldId id="285" r:id="rId32"/>
-    <p:sldId id="286" r:id="rId33"/>
-    <p:sldId id="287" r:id="rId34"/>
-    <p:sldId id="288" r:id="rId35"/>
-    <p:sldId id="289" r:id="rId36"/>
-    <p:sldId id="290" r:id="rId37"/>
-    <p:sldId id="291" r:id="rId38"/>
-    <p:sldId id="292" r:id="rId39"/>
+    <p:sldId id="297" r:id="rId5"/>
+    <p:sldId id="298" r:id="rId6"/>
+    <p:sldId id="294" r:id="rId7"/>
+    <p:sldId id="299" r:id="rId8"/>
+    <p:sldId id="300" r:id="rId9"/>
+    <p:sldId id="301" r:id="rId10"/>
+    <p:sldId id="258" r:id="rId11"/>
+    <p:sldId id="259" r:id="rId12"/>
+    <p:sldId id="260" r:id="rId13"/>
+    <p:sldId id="261" r:id="rId14"/>
+    <p:sldId id="262" r:id="rId15"/>
+    <p:sldId id="263" r:id="rId16"/>
+    <p:sldId id="264" r:id="rId17"/>
+    <p:sldId id="265" r:id="rId18"/>
+    <p:sldId id="266" r:id="rId19"/>
+    <p:sldId id="267" r:id="rId20"/>
+    <p:sldId id="268" r:id="rId21"/>
+    <p:sldId id="269" r:id="rId22"/>
+    <p:sldId id="270" r:id="rId23"/>
+    <p:sldId id="271" r:id="rId24"/>
+    <p:sldId id="272" r:id="rId25"/>
+    <p:sldId id="273" r:id="rId26"/>
+    <p:sldId id="274" r:id="rId27"/>
+    <p:sldId id="276" r:id="rId28"/>
+    <p:sldId id="277" r:id="rId29"/>
+    <p:sldId id="278" r:id="rId30"/>
+    <p:sldId id="279" r:id="rId31"/>
+    <p:sldId id="280" r:id="rId32"/>
+    <p:sldId id="281" r:id="rId33"/>
+    <p:sldId id="282" r:id="rId34"/>
+    <p:sldId id="283" r:id="rId35"/>
+    <p:sldId id="284" r:id="rId36"/>
+    <p:sldId id="285" r:id="rId37"/>
+    <p:sldId id="286" r:id="rId38"/>
+    <p:sldId id="287" r:id="rId39"/>
+    <p:sldId id="288" r:id="rId40"/>
+    <p:sldId id="289" r:id="rId41"/>
+    <p:sldId id="290" r:id="rId42"/>
+    <p:sldId id="291" r:id="rId43"/>
+    <p:sldId id="292" r:id="rId44"/>
   </p:sldIdLst>
   <p:sldSz cx="12192000" cy="6858000"/>
   <p:notesSz cx="6858000" cy="9144000"/>
@@ -3069,7 +3074,6 @@
               <a:rPr lang="hr-HR" dirty="0"/>
               <a:t> </a:t>
             </a:r>
-            <a:endParaRPr lang="hr-HR" dirty="0"/>
           </a:p>
         </p:txBody>
       </p:sp>
@@ -3210,20 +3214,27 @@
           <a:lstStyle/>
           <a:p>
             <a:r>
-              <a:rPr lang="hr-HR" dirty="0" err="1" smtClean="0"/>
-              <a:t>Mixin</a:t>
+              <a:rPr lang="hr-HR" dirty="0" smtClean="0"/>
+              <a:t>Microsoftovo rješenje za problem koji predstavlja </a:t>
+            </a:r>
+            <a:r>
+              <a:rPr lang="hr-HR" dirty="0" err="1" smtClean="0"/>
+              <a:t>Javascript</a:t>
             </a:r>
             <a:endParaRPr lang="hr-HR" dirty="0" smtClean="0"/>
           </a:p>
           <a:p>
-            <a:pPr lvl="1"/>
-            <a:r>
-              <a:rPr lang="hr-HR" dirty="0" smtClean="0"/>
-              <a:t>Mogućnost korištenja konkretnih klasa kao </a:t>
-            </a:r>
-            <a:r>
-              <a:rPr lang="hr-HR" dirty="0" err="1" smtClean="0"/>
-              <a:t>interfaceova</a:t>
+            <a:r>
+              <a:rPr lang="hr-HR" dirty="0" err="1" smtClean="0"/>
+              <a:t>Nadskup</a:t>
+            </a:r>
+            <a:r>
+              <a:rPr lang="hr-HR" dirty="0" smtClean="0"/>
+              <a:t> </a:t>
+            </a:r>
+            <a:r>
+              <a:rPr lang="hr-HR" dirty="0" err="1" smtClean="0"/>
+              <a:t>Javascripta</a:t>
             </a:r>
             <a:endParaRPr lang="hr-HR" dirty="0" smtClean="0"/>
           </a:p>
@@ -3231,7 +3242,23 @@
             <a:pPr lvl="1"/>
             <a:r>
               <a:rPr lang="hr-HR" dirty="0" smtClean="0"/>
-              <a:t>Preuzme samo polja i definicije metoda</a:t>
+              <a:t>Bilo koja ispravna .</a:t>
+            </a:r>
+            <a:r>
+              <a:rPr lang="hr-HR" dirty="0" err="1" smtClean="0"/>
+              <a:t>js</a:t>
+            </a:r>
+            <a:r>
+              <a:rPr lang="hr-HR" dirty="0" smtClean="0"/>
+              <a:t> datoteka je odmah i ispravna .</a:t>
+            </a:r>
+            <a:r>
+              <a:rPr lang="hr-HR" dirty="0" err="1" smtClean="0"/>
+              <a:t>ts</a:t>
+            </a:r>
+            <a:r>
+              <a:rPr lang="hr-HR" dirty="0" smtClean="0"/>
+              <a:t> datoteka</a:t>
             </a:r>
           </a:p>
         </p:txBody>
@@ -3239,7 +3266,7 @@
     </p:spTree>
     <p:extLst>
       <p:ext uri="{BB962C8B-B14F-4D97-AF65-F5344CB8AC3E}">
-        <p14:creationId xmlns:p14="http://schemas.microsoft.com/office/powerpoint/2010/main" val="4149243469"/>
+        <p14:creationId xmlns:p14="http://schemas.microsoft.com/office/powerpoint/2010/main" val="2072703024"/>
       </p:ext>
     </p:extLst>
   </p:cSld>
@@ -3306,7 +3333,15 @@
           <a:p>
             <a:r>
               <a:rPr lang="hr-HR" dirty="0" err="1" smtClean="0"/>
-              <a:t>Generics</a:t>
+              <a:t>Type</a:t>
+            </a:r>
+            <a:r>
+              <a:rPr lang="hr-HR" dirty="0" smtClean="0"/>
+              <a:t> </a:t>
+            </a:r>
+            <a:r>
+              <a:rPr lang="hr-HR" dirty="0" err="1" smtClean="0"/>
+              <a:t>anotations</a:t>
             </a:r>
             <a:endParaRPr lang="hr-HR" dirty="0" smtClean="0"/>
           </a:p>
@@ -3314,30 +3349,25 @@
             <a:pPr lvl="1"/>
             <a:r>
               <a:rPr lang="hr-HR" dirty="0" smtClean="0"/>
-              <a:t>Predavanje tipa kao parametra</a:t>
-            </a:r>
-          </a:p>
-          <a:p>
-            <a:pPr lvl="1"/>
-            <a:r>
-              <a:rPr lang="hr-HR" dirty="0" smtClean="0"/>
-              <a:t>List&lt;T&gt;, </a:t>
-            </a:r>
-            <a:r>
-              <a:rPr lang="hr-HR" dirty="0" err="1" smtClean="0"/>
-              <a:t>Array</a:t>
-            </a:r>
-            <a:r>
-              <a:rPr lang="hr-HR" dirty="0" smtClean="0"/>
-              <a:t>&lt;T&gt;, …</a:t>
-            </a:r>
+              <a:t>Moguće definirati tip varijable</a:t>
+            </a:r>
+          </a:p>
+          <a:p>
+            <a:pPr lvl="1"/>
+            <a:r>
+              <a:rPr lang="hr-HR" dirty="0" smtClean="0"/>
+              <a:t>Tipovi se evaluiraju prilikom kompiliranja</a:t>
+            </a:r>
+          </a:p>
+          <a:p>
+            <a:endParaRPr lang="hr-HR" dirty="0"/>
           </a:p>
         </p:txBody>
       </p:sp>
     </p:spTree>
     <p:extLst>
       <p:ext uri="{BB962C8B-B14F-4D97-AF65-F5344CB8AC3E}">
-        <p14:creationId xmlns:p14="http://schemas.microsoft.com/office/powerpoint/2010/main" val="3010080046"/>
+        <p14:creationId xmlns:p14="http://schemas.microsoft.com/office/powerpoint/2010/main" val="595701446"/>
       </p:ext>
     </p:extLst>
   </p:cSld>
@@ -3404,7 +3434,15 @@
           <a:p>
             <a:r>
               <a:rPr lang="hr-HR" dirty="0" err="1" smtClean="0"/>
-              <a:t>Namespaces</a:t>
+              <a:t>Type</a:t>
+            </a:r>
+            <a:r>
+              <a:rPr lang="hr-HR" dirty="0" smtClean="0"/>
+              <a:t> </a:t>
+            </a:r>
+            <a:r>
+              <a:rPr lang="hr-HR" dirty="0" err="1" smtClean="0"/>
+              <a:t>inference</a:t>
             </a:r>
             <a:endParaRPr lang="hr-HR" dirty="0" smtClean="0"/>
           </a:p>
@@ -3412,27 +3450,37 @@
             <a:pPr lvl="1"/>
             <a:r>
               <a:rPr lang="hr-HR" dirty="0" smtClean="0"/>
-              <a:t>Konzumiranje klasa, </a:t>
-            </a:r>
-            <a:r>
-              <a:rPr lang="hr-HR" dirty="0" err="1" smtClean="0"/>
-              <a:t>interaceova</a:t>
-            </a:r>
-            <a:r>
-              <a:rPr lang="hr-HR" dirty="0" smtClean="0"/>
-              <a:t> i polja definiranih kroz različite datoteke kao da su definirane u jednoj datoteci</a:t>
-            </a:r>
-          </a:p>
-          <a:p>
-            <a:pPr lvl="1"/>
+              <a:t>Sposobnost deduciranja tipa varijable</a:t>
+            </a:r>
+          </a:p>
+          <a:p>
+            <a:r>
+              <a:rPr lang="hr-HR" dirty="0" err="1" smtClean="0"/>
+              <a:t>Type</a:t>
+            </a:r>
+            <a:r>
+              <a:rPr lang="hr-HR" dirty="0" smtClean="0"/>
+              <a:t> </a:t>
+            </a:r>
+            <a:r>
+              <a:rPr lang="hr-HR" dirty="0" err="1" smtClean="0"/>
+              <a:t>erasure</a:t>
+            </a:r>
             <a:endParaRPr lang="hr-HR" dirty="0" smtClean="0"/>
+          </a:p>
+          <a:p>
+            <a:pPr lvl="1"/>
+            <a:r>
+              <a:rPr lang="hr-HR" dirty="0" smtClean="0"/>
+              <a:t>Prilikom kompiliranja se maknu sve informacije o tipovima varijabli</a:t>
+            </a:r>
           </a:p>
         </p:txBody>
       </p:sp>
     </p:spTree>
     <p:extLst>
       <p:ext uri="{BB962C8B-B14F-4D97-AF65-F5344CB8AC3E}">
-        <p14:creationId xmlns:p14="http://schemas.microsoft.com/office/powerpoint/2010/main" val="2028055560"/>
+        <p14:creationId xmlns:p14="http://schemas.microsoft.com/office/powerpoint/2010/main" val="1292927891"/>
       </p:ext>
     </p:extLst>
   </p:cSld>
@@ -3499,23 +3547,20 @@
           <a:p>
             <a:r>
               <a:rPr lang="hr-HR" dirty="0" err="1" smtClean="0"/>
-              <a:t>Tupple</a:t>
+              <a:t>Interface</a:t>
             </a:r>
             <a:endParaRPr lang="hr-HR" dirty="0" smtClean="0"/>
           </a:p>
           <a:p>
             <a:pPr lvl="1"/>
             <a:r>
-              <a:rPr lang="hr-HR" dirty="0" err="1" smtClean="0"/>
-              <a:t>Array</a:t>
-            </a:r>
-            <a:r>
-              <a:rPr lang="hr-HR" dirty="0" smtClean="0"/>
-              <a:t> koji u svakom polju može sadržavati više vrijednosti</a:t>
-            </a:r>
-          </a:p>
-          <a:p>
-            <a:pPr lvl="1"/>
+              <a:rPr lang="hr-HR" dirty="0" smtClean="0"/>
+              <a:t>Mogućnost deklariranja i implementiranja </a:t>
+            </a:r>
+            <a:r>
+              <a:rPr lang="hr-HR" dirty="0" err="1" smtClean="0"/>
+              <a:t>interfaceova</a:t>
+            </a:r>
             <a:endParaRPr lang="hr-HR" dirty="0" smtClean="0"/>
           </a:p>
         </p:txBody>
@@ -3523,7 +3568,7 @@
     </p:spTree>
     <p:extLst>
       <p:ext uri="{BB962C8B-B14F-4D97-AF65-F5344CB8AC3E}">
-        <p14:creationId xmlns:p14="http://schemas.microsoft.com/office/powerpoint/2010/main" val="2841646781"/>
+        <p14:creationId xmlns:p14="http://schemas.microsoft.com/office/powerpoint/2010/main" val="2265983809"/>
       </p:ext>
     </p:extLst>
   </p:cSld>
@@ -3590,7 +3635,7 @@
           <a:p>
             <a:r>
               <a:rPr lang="hr-HR" dirty="0" err="1" smtClean="0"/>
-              <a:t>Await</a:t>
+              <a:t>Enumeration</a:t>
             </a:r>
             <a:endParaRPr lang="hr-HR" dirty="0" smtClean="0"/>
           </a:p>
@@ -3598,35 +3643,15 @@
             <a:pPr lvl="1"/>
             <a:r>
               <a:rPr lang="hr-HR" dirty="0" smtClean="0"/>
-              <a:t>Korištenje </a:t>
-            </a:r>
-            <a:r>
-              <a:rPr lang="hr-HR" dirty="0" err="1" smtClean="0"/>
-              <a:t>await</a:t>
-            </a:r>
-            <a:r>
-              <a:rPr lang="hr-HR" dirty="0" smtClean="0"/>
-              <a:t> naredbe umjesto </a:t>
-            </a:r>
-            <a:r>
-              <a:rPr lang="hr-HR" dirty="0" err="1" smtClean="0"/>
-              <a:t>callbacka</a:t>
-            </a:r>
-            <a:r>
-              <a:rPr lang="hr-HR" dirty="0" smtClean="0"/>
-              <a:t> kod asinkronih poziva</a:t>
-            </a:r>
-          </a:p>
-          <a:p>
-            <a:pPr lvl="1"/>
-            <a:endParaRPr lang="hr-HR" dirty="0" smtClean="0"/>
+              <a:t>Mogućnost kreiranja enumeracija</a:t>
+            </a:r>
           </a:p>
         </p:txBody>
       </p:sp>
     </p:spTree>
     <p:extLst>
       <p:ext uri="{BB962C8B-B14F-4D97-AF65-F5344CB8AC3E}">
-        <p14:creationId xmlns:p14="http://schemas.microsoft.com/office/powerpoint/2010/main" val="4273956622"/>
+        <p14:creationId xmlns:p14="http://schemas.microsoft.com/office/powerpoint/2010/main" val="2618000096"/>
       </p:ext>
     </p:extLst>
   </p:cSld>
@@ -3669,7 +3694,7 @@
           <a:lstStyle/>
           <a:p>
             <a:r>
-              <a:rPr lang="hr-HR" dirty="0" err="1"/>
+              <a:rPr lang="hr-HR" dirty="0" err="1" smtClean="0"/>
               <a:t>Typescript</a:t>
             </a:r>
             <a:endParaRPr lang="hr-HR" dirty="0"/>
@@ -3693,7 +3718,7 @@
           <a:p>
             <a:r>
               <a:rPr lang="hr-HR" dirty="0" err="1" smtClean="0"/>
-              <a:t>Class</a:t>
+              <a:t>Mixin</a:t>
             </a:r>
             <a:endParaRPr lang="hr-HR" dirty="0" smtClean="0"/>
           </a:p>
@@ -3701,31 +3726,27 @@
             <a:pPr lvl="1"/>
             <a:r>
               <a:rPr lang="hr-HR" dirty="0" smtClean="0"/>
-              <a:t>Preuzeto iz </a:t>
-            </a:r>
-            <a:r>
-              <a:rPr lang="hr-HR" dirty="0" err="1" smtClean="0"/>
-              <a:t>ECMASripta</a:t>
-            </a:r>
-            <a:r>
-              <a:rPr lang="hr-HR" dirty="0" smtClean="0"/>
-              <a:t> 2015</a:t>
-            </a:r>
-          </a:p>
-          <a:p>
-            <a:pPr lvl="1"/>
-            <a:r>
-              <a:rPr lang="hr-HR" dirty="0" smtClean="0"/>
-              <a:t>Moguće definirati i nasljeđivati klase</a:t>
-            </a:r>
-            <a:endParaRPr lang="hr-HR" dirty="0"/>
+              <a:t>Mogućnost korištenja konkretnih klasa kao </a:t>
+            </a:r>
+            <a:r>
+              <a:rPr lang="hr-HR" dirty="0" err="1" smtClean="0"/>
+              <a:t>interfaceova</a:t>
+            </a:r>
+            <a:endParaRPr lang="hr-HR" dirty="0" smtClean="0"/>
+          </a:p>
+          <a:p>
+            <a:pPr lvl="1"/>
+            <a:r>
+              <a:rPr lang="hr-HR" dirty="0" smtClean="0"/>
+              <a:t>Preuzme samo polja i definicije metoda</a:t>
+            </a:r>
           </a:p>
         </p:txBody>
       </p:sp>
     </p:spTree>
     <p:extLst>
       <p:ext uri="{BB962C8B-B14F-4D97-AF65-F5344CB8AC3E}">
-        <p14:creationId xmlns:p14="http://schemas.microsoft.com/office/powerpoint/2010/main" val="4276464484"/>
+        <p14:creationId xmlns:p14="http://schemas.microsoft.com/office/powerpoint/2010/main" val="4149243469"/>
       </p:ext>
     </p:extLst>
   </p:cSld>
@@ -3768,7 +3789,7 @@
           <a:lstStyle/>
           <a:p>
             <a:r>
-              <a:rPr lang="hr-HR" dirty="0" err="1"/>
+              <a:rPr lang="hr-HR" dirty="0" err="1" smtClean="0"/>
               <a:t>Typescript</a:t>
             </a:r>
             <a:endParaRPr lang="hr-HR" dirty="0"/>
@@ -3792,7 +3813,7 @@
           <a:p>
             <a:r>
               <a:rPr lang="hr-HR" dirty="0" err="1" smtClean="0"/>
-              <a:t>Modules</a:t>
+              <a:t>Generics</a:t>
             </a:r>
             <a:endParaRPr lang="hr-HR" dirty="0" smtClean="0"/>
           </a:p>
@@ -3800,35 +3821,30 @@
             <a:pPr lvl="1"/>
             <a:r>
               <a:rPr lang="hr-HR" dirty="0" smtClean="0"/>
-              <a:t>Preuzeto iz </a:t>
-            </a:r>
-            <a:r>
-              <a:rPr lang="hr-HR" dirty="0" err="1" smtClean="0"/>
-              <a:t>ECMASripta</a:t>
-            </a:r>
-            <a:r>
-              <a:rPr lang="hr-HR" dirty="0" smtClean="0"/>
-              <a:t> 2015</a:t>
-            </a:r>
-          </a:p>
-          <a:p>
-            <a:pPr lvl="1"/>
-            <a:r>
-              <a:rPr lang="hr-HR" dirty="0" smtClean="0"/>
-              <a:t>Svaki modul ima svoj </a:t>
-            </a:r>
-            <a:r>
-              <a:rPr lang="hr-HR" dirty="0" err="1" smtClean="0"/>
-              <a:t>scope</a:t>
-            </a:r>
-            <a:endParaRPr lang="hr-HR" dirty="0"/>
+              <a:t>Predavanje tipa kao parametra</a:t>
+            </a:r>
+          </a:p>
+          <a:p>
+            <a:pPr lvl="1"/>
+            <a:r>
+              <a:rPr lang="hr-HR" dirty="0" smtClean="0"/>
+              <a:t>List&lt;T&gt;, </a:t>
+            </a:r>
+            <a:r>
+              <a:rPr lang="hr-HR" dirty="0" err="1" smtClean="0"/>
+              <a:t>Array</a:t>
+            </a:r>
+            <a:r>
+              <a:rPr lang="hr-HR" dirty="0" smtClean="0"/>
+              <a:t>&lt;T&gt;, …</a:t>
+            </a:r>
           </a:p>
         </p:txBody>
       </p:sp>
     </p:spTree>
     <p:extLst>
       <p:ext uri="{BB962C8B-B14F-4D97-AF65-F5344CB8AC3E}">
-        <p14:creationId xmlns:p14="http://schemas.microsoft.com/office/powerpoint/2010/main" val="1950537542"/>
+        <p14:creationId xmlns:p14="http://schemas.microsoft.com/office/powerpoint/2010/main" val="3010080046"/>
       </p:ext>
     </p:extLst>
   </p:cSld>
@@ -3871,7 +3887,7 @@
           <a:lstStyle/>
           <a:p>
             <a:r>
-              <a:rPr lang="hr-HR" dirty="0" err="1"/>
+              <a:rPr lang="hr-HR" dirty="0" err="1" smtClean="0"/>
               <a:t>Typescript</a:t>
             </a:r>
             <a:endParaRPr lang="hr-HR" dirty="0"/>
@@ -3895,50 +3911,35 @@
           <a:p>
             <a:r>
               <a:rPr lang="hr-HR" dirty="0" err="1" smtClean="0"/>
-              <a:t>Arrow</a:t>
-            </a:r>
-            <a:r>
-              <a:rPr lang="hr-HR" dirty="0" smtClean="0"/>
-              <a:t> </a:t>
-            </a:r>
-            <a:r>
-              <a:rPr lang="hr-HR" dirty="0" err="1" smtClean="0"/>
-              <a:t>notation</a:t>
-            </a:r>
-            <a:r>
-              <a:rPr lang="hr-HR" dirty="0" smtClean="0"/>
-              <a:t> =&gt;</a:t>
-            </a:r>
-          </a:p>
-          <a:p>
-            <a:pPr lvl="1"/>
-            <a:r>
-              <a:rPr lang="hr-HR" dirty="0" smtClean="0"/>
-              <a:t>Preuzeto iz </a:t>
-            </a:r>
-            <a:r>
-              <a:rPr lang="hr-HR" dirty="0" err="1" smtClean="0"/>
-              <a:t>ECMASripta</a:t>
-            </a:r>
-            <a:r>
-              <a:rPr lang="hr-HR" dirty="0" smtClean="0"/>
-              <a:t> 2015</a:t>
-            </a:r>
-          </a:p>
-          <a:p>
-            <a:pPr lvl="1"/>
-            <a:r>
-              <a:rPr lang="hr-HR" dirty="0" smtClean="0"/>
-              <a:t>Skraćeno pisanje anonimnih funkcija</a:t>
-            </a:r>
-            <a:endParaRPr lang="hr-HR" dirty="0"/>
+              <a:t>Namespaces</a:t>
+            </a:r>
+            <a:endParaRPr lang="hr-HR" dirty="0" smtClean="0"/>
+          </a:p>
+          <a:p>
+            <a:pPr lvl="1"/>
+            <a:r>
+              <a:rPr lang="hr-HR" dirty="0" smtClean="0"/>
+              <a:t>Konzumiranje klasa, </a:t>
+            </a:r>
+            <a:r>
+              <a:rPr lang="hr-HR" dirty="0" err="1" smtClean="0"/>
+              <a:t>interaceova</a:t>
+            </a:r>
+            <a:r>
+              <a:rPr lang="hr-HR" dirty="0" smtClean="0"/>
+              <a:t> i polja definiranih kroz različite datoteke kao da su definirane u jednoj datoteci</a:t>
+            </a:r>
+          </a:p>
+          <a:p>
+            <a:pPr lvl="1"/>
+            <a:endParaRPr lang="hr-HR" dirty="0" smtClean="0"/>
           </a:p>
         </p:txBody>
       </p:sp>
     </p:spTree>
     <p:extLst>
       <p:ext uri="{BB962C8B-B14F-4D97-AF65-F5344CB8AC3E}">
-        <p14:creationId xmlns:p14="http://schemas.microsoft.com/office/powerpoint/2010/main" val="3870662113"/>
+        <p14:creationId xmlns:p14="http://schemas.microsoft.com/office/powerpoint/2010/main" val="2028055560"/>
       </p:ext>
     </p:extLst>
   </p:cSld>
@@ -3981,7 +3982,7 @@
           <a:lstStyle/>
           <a:p>
             <a:r>
-              <a:rPr lang="hr-HR" dirty="0" err="1"/>
+              <a:rPr lang="hr-HR" dirty="0" err="1" smtClean="0"/>
               <a:t>Typescript</a:t>
             </a:r>
             <a:endParaRPr lang="hr-HR" dirty="0"/>
@@ -4005,58 +4006,31 @@
           <a:p>
             <a:r>
               <a:rPr lang="hr-HR" dirty="0" err="1" smtClean="0"/>
-              <a:t>Default</a:t>
-            </a:r>
-            <a:r>
-              <a:rPr lang="hr-HR" dirty="0" smtClean="0"/>
-              <a:t> / </a:t>
-            </a:r>
-            <a:r>
-              <a:rPr lang="hr-HR" dirty="0" err="1" smtClean="0"/>
-              <a:t>optional</a:t>
-            </a:r>
-            <a:r>
-              <a:rPr lang="hr-HR" dirty="0" smtClean="0"/>
-              <a:t> para</a:t>
-            </a:r>
-          </a:p>
-          <a:p>
-            <a:pPr lvl="1"/>
-            <a:r>
-              <a:rPr lang="hr-HR" dirty="0" smtClean="0"/>
-              <a:t>Preuzeto iz </a:t>
-            </a:r>
-            <a:r>
-              <a:rPr lang="hr-HR" dirty="0" err="1" smtClean="0"/>
-              <a:t>ECMASripta</a:t>
-            </a:r>
-            <a:r>
-              <a:rPr lang="hr-HR" dirty="0" smtClean="0"/>
-              <a:t> 2015</a:t>
-            </a:r>
-          </a:p>
-          <a:p>
-            <a:pPr lvl="1"/>
-            <a:r>
-              <a:rPr lang="hr-HR" dirty="0" smtClean="0"/>
-              <a:t>Mogućnost deklariranja opcionalnih parametara i njihovih </a:t>
-            </a:r>
-            <a:r>
-              <a:rPr lang="hr-HR" dirty="0" err="1" smtClean="0"/>
-              <a:t>defaultnih</a:t>
-            </a:r>
-            <a:r>
-              <a:rPr lang="hr-HR" dirty="0" smtClean="0"/>
-              <a:t> vrijednosti</a:t>
-            </a:r>
-            <a:endParaRPr lang="hr-HR" dirty="0"/>
+              <a:t>Tupple</a:t>
+            </a:r>
+            <a:endParaRPr lang="hr-HR" dirty="0" smtClean="0"/>
+          </a:p>
+          <a:p>
+            <a:pPr lvl="1"/>
+            <a:r>
+              <a:rPr lang="hr-HR" dirty="0" err="1" smtClean="0"/>
+              <a:t>Array</a:t>
+            </a:r>
+            <a:r>
+              <a:rPr lang="hr-HR" dirty="0" smtClean="0"/>
+              <a:t> koji u svakom polju može sadržavati više vrijednosti</a:t>
+            </a:r>
+          </a:p>
+          <a:p>
+            <a:pPr lvl="1"/>
+            <a:endParaRPr lang="hr-HR" dirty="0" smtClean="0"/>
           </a:p>
         </p:txBody>
       </p:sp>
     </p:spTree>
     <p:extLst>
       <p:ext uri="{BB962C8B-B14F-4D97-AF65-F5344CB8AC3E}">
-        <p14:creationId xmlns:p14="http://schemas.microsoft.com/office/powerpoint/2010/main" val="522140378"/>
+        <p14:creationId xmlns:p14="http://schemas.microsoft.com/office/powerpoint/2010/main" val="2841646781"/>
       </p:ext>
     </p:extLst>
   </p:cSld>
@@ -4123,7 +4097,7 @@
           <a:p>
             <a:r>
               <a:rPr lang="hr-HR" dirty="0" err="1" smtClean="0"/>
-              <a:t>Tsconfig.json</a:t>
+              <a:t>Await</a:t>
             </a:r>
             <a:endParaRPr lang="hr-HR" dirty="0" smtClean="0"/>
           </a:p>
@@ -4131,51 +4105,35 @@
             <a:pPr lvl="1"/>
             <a:r>
               <a:rPr lang="hr-HR" dirty="0" smtClean="0"/>
-              <a:t>Konfiguracijska datoteka</a:t>
-            </a:r>
-          </a:p>
-          <a:p>
-            <a:pPr lvl="1"/>
-            <a:r>
-              <a:rPr lang="hr-HR" dirty="0" smtClean="0"/>
-              <a:t>Omogućuje </a:t>
-            </a:r>
-            <a:r>
-              <a:rPr lang="hr-HR" dirty="0" err="1" smtClean="0"/>
-              <a:t>transpilaciju</a:t>
-            </a:r>
-            <a:r>
-              <a:rPr lang="hr-HR" dirty="0" smtClean="0"/>
-              <a:t> u različite verzije </a:t>
-            </a:r>
-            <a:r>
-              <a:rPr lang="hr-HR" dirty="0" err="1" smtClean="0"/>
-              <a:t>ECMAScripta</a:t>
-            </a:r>
+              <a:t>Korištenje </a:t>
+            </a:r>
+            <a:r>
+              <a:rPr lang="hr-HR" dirty="0" err="1" smtClean="0"/>
+              <a:t>await</a:t>
+            </a:r>
+            <a:r>
+              <a:rPr lang="hr-HR" dirty="0" smtClean="0"/>
+              <a:t> naredbe umjesto </a:t>
+            </a:r>
+            <a:r>
+              <a:rPr lang="hr-HR" dirty="0" err="1" smtClean="0"/>
+              <a:t>callbacka</a:t>
+            </a:r>
+            <a:r>
+              <a:rPr lang="hr-HR" dirty="0" smtClean="0"/>
+              <a:t> kod asinkronih poziva</a:t>
+            </a:r>
+          </a:p>
+          <a:p>
+            <a:pPr lvl="1"/>
             <a:endParaRPr lang="hr-HR" dirty="0" smtClean="0"/>
-          </a:p>
-          <a:p>
-            <a:pPr lvl="1"/>
-            <a:r>
-              <a:rPr lang="hr-HR" dirty="0" smtClean="0"/>
-              <a:t>Omogućuje automatsko kreiranja .</a:t>
-            </a:r>
-            <a:r>
-              <a:rPr lang="hr-HR" dirty="0" err="1" smtClean="0"/>
-              <a:t>map</a:t>
-            </a:r>
-            <a:r>
-              <a:rPr lang="hr-HR" dirty="0" smtClean="0"/>
-              <a:t> datoteka</a:t>
-            </a:r>
-            <a:endParaRPr lang="hr-HR" dirty="0"/>
           </a:p>
         </p:txBody>
       </p:sp>
     </p:spTree>
     <p:extLst>
       <p:ext uri="{BB962C8B-B14F-4D97-AF65-F5344CB8AC3E}">
-        <p14:creationId xmlns:p14="http://schemas.microsoft.com/office/powerpoint/2010/main" val="3643342811"/>
+        <p14:creationId xmlns:p14="http://schemas.microsoft.com/office/powerpoint/2010/main" val="4273956622"/>
       </p:ext>
     </p:extLst>
   </p:cSld>
@@ -4240,7 +4198,87 @@
           <a:bodyPr/>
           <a:lstStyle/>
           <a:p>
-            <a:endParaRPr lang="hr-HR"/>
+            <a:r>
+              <a:rPr lang="hr-HR" dirty="0" smtClean="0"/>
+              <a:t>Node.js</a:t>
+            </a:r>
+          </a:p>
+          <a:p>
+            <a:pPr lvl="1"/>
+            <a:r>
+              <a:rPr lang="hr-HR" dirty="0">
+                <a:hlinkClick r:id="rId2"/>
+              </a:rPr>
+              <a:t>https://nodejs.org/en/download</a:t>
+            </a:r>
+            <a:r>
+              <a:rPr lang="hr-HR" dirty="0" smtClean="0">
+                <a:hlinkClick r:id="rId2"/>
+              </a:rPr>
+              <a:t>/</a:t>
+            </a:r>
+            <a:endParaRPr lang="hr-HR" dirty="0" smtClean="0"/>
+          </a:p>
+          <a:p>
+            <a:r>
+              <a:rPr lang="hr-HR" dirty="0" err="1" smtClean="0"/>
+              <a:t>Git</a:t>
+            </a:r>
+            <a:r>
+              <a:rPr lang="hr-HR" dirty="0" smtClean="0"/>
+              <a:t> for Windows</a:t>
+            </a:r>
+          </a:p>
+          <a:p>
+            <a:pPr lvl="1"/>
+            <a:r>
+              <a:rPr lang="hr-HR" dirty="0">
+                <a:hlinkClick r:id="rId3"/>
+              </a:rPr>
+              <a:t>https://git-for-windows.github.io</a:t>
+            </a:r>
+            <a:r>
+              <a:rPr lang="hr-HR" dirty="0" smtClean="0">
+                <a:hlinkClick r:id="rId3"/>
+              </a:rPr>
+              <a:t>/</a:t>
+            </a:r>
+            <a:endParaRPr lang="hr-HR" dirty="0" smtClean="0"/>
+          </a:p>
+          <a:p>
+            <a:r>
+              <a:rPr lang="hr-HR" dirty="0" err="1" smtClean="0"/>
+              <a:t>Visual</a:t>
+            </a:r>
+            <a:r>
+              <a:rPr lang="hr-HR" dirty="0" smtClean="0"/>
+              <a:t> Studio </a:t>
+            </a:r>
+            <a:r>
+              <a:rPr lang="hr-HR" dirty="0" err="1" smtClean="0"/>
+              <a:t>Code</a:t>
+            </a:r>
+            <a:endParaRPr lang="hr-HR" dirty="0" smtClean="0"/>
+          </a:p>
+          <a:p>
+            <a:pPr lvl="1"/>
+            <a:r>
+              <a:rPr lang="hr-HR" dirty="0">
+                <a:hlinkClick r:id="rId4"/>
+              </a:rPr>
+              <a:t>https://code.visualstudio.com</a:t>
+            </a:r>
+            <a:r>
+              <a:rPr lang="hr-HR" dirty="0" smtClean="0">
+                <a:hlinkClick r:id="rId4"/>
+              </a:rPr>
+              <a:t>/</a:t>
+            </a:r>
+            <a:endParaRPr lang="hr-HR" dirty="0" smtClean="0"/>
+          </a:p>
+          <a:p>
+            <a:pPr lvl="1"/>
+            <a:endParaRPr lang="hr-HR" dirty="0"/>
           </a:p>
         </p:txBody>
       </p:sp>
@@ -4290,7 +4328,7 @@
           <a:lstStyle/>
           <a:p>
             <a:r>
-              <a:rPr lang="hr-HR" dirty="0" err="1" smtClean="0"/>
+              <a:rPr lang="hr-HR" dirty="0" err="1"/>
               <a:t>Typescript</a:t>
             </a:r>
             <a:endParaRPr lang="hr-HR" dirty="0"/>
@@ -4313,35 +4351,8 @@
           <a:lstStyle/>
           <a:p>
             <a:r>
-              <a:rPr lang="hr-HR" dirty="0" smtClean="0"/>
-              <a:t>.</a:t>
-            </a:r>
-            <a:r>
-              <a:rPr lang="hr-HR" dirty="0" err="1" smtClean="0"/>
-              <a:t>map</a:t>
-            </a:r>
-            <a:r>
-              <a:rPr lang="hr-HR" dirty="0" smtClean="0"/>
-              <a:t> datoteka</a:t>
-            </a:r>
-          </a:p>
-          <a:p>
-            <a:pPr lvl="1"/>
-            <a:r>
-              <a:rPr lang="hr-HR" dirty="0" smtClean="0"/>
-              <a:t>Omogućava </a:t>
-            </a:r>
-            <a:r>
-              <a:rPr lang="hr-HR" dirty="0" err="1" smtClean="0"/>
-              <a:t>debugiranje</a:t>
-            </a:r>
-            <a:r>
-              <a:rPr lang="hr-HR" dirty="0" smtClean="0"/>
-              <a:t> direktno u </a:t>
-            </a:r>
-            <a:r>
-              <a:rPr lang="hr-HR" dirty="0" err="1" smtClean="0"/>
-              <a:t>typescriptu</a:t>
+              <a:rPr lang="hr-HR" dirty="0" err="1" smtClean="0"/>
+              <a:t>Class</a:t>
             </a:r>
             <a:endParaRPr lang="hr-HR" dirty="0" smtClean="0"/>
           </a:p>
@@ -4349,19 +4360,22 @@
             <a:pPr lvl="1"/>
             <a:r>
               <a:rPr lang="hr-HR" dirty="0" smtClean="0"/>
-              <a:t>Moguće </a:t>
-            </a:r>
-            <a:r>
-              <a:rPr lang="hr-HR" dirty="0" err="1" smtClean="0"/>
-              <a:t>debugirati</a:t>
-            </a:r>
-            <a:r>
-              <a:rPr lang="hr-HR" dirty="0" smtClean="0"/>
-              <a:t> u browserima i VS </a:t>
-            </a:r>
-            <a:r>
-              <a:rPr lang="hr-HR" dirty="0" err="1" smtClean="0"/>
-              <a:t>Codeu</a:t>
+              <a:t>Preuzeto iz </a:t>
+            </a:r>
+            <a:r>
+              <a:rPr lang="hr-HR" dirty="0" err="1" smtClean="0"/>
+              <a:t>ECMASripta</a:t>
+            </a:r>
+            <a:r>
+              <a:rPr lang="hr-HR" dirty="0" smtClean="0"/>
+              <a:t> 2015</a:t>
+            </a:r>
+          </a:p>
+          <a:p>
+            <a:pPr lvl="1"/>
+            <a:r>
+              <a:rPr lang="hr-HR" dirty="0" smtClean="0"/>
+              <a:t>Moguće definirati i nasljeđivati klase</a:t>
             </a:r>
             <a:endParaRPr lang="hr-HR" dirty="0"/>
           </a:p>
@@ -4370,7 +4384,7 @@
     </p:spTree>
     <p:extLst>
       <p:ext uri="{BB962C8B-B14F-4D97-AF65-F5344CB8AC3E}">
-        <p14:creationId xmlns:p14="http://schemas.microsoft.com/office/powerpoint/2010/main" val="2441703799"/>
+        <p14:creationId xmlns:p14="http://schemas.microsoft.com/office/powerpoint/2010/main" val="4276464484"/>
       </p:ext>
     </p:extLst>
   </p:cSld>
@@ -4413,7 +4427,7 @@
           <a:lstStyle/>
           <a:p>
             <a:r>
-              <a:rPr lang="hr-HR" dirty="0" err="1" smtClean="0"/>
+              <a:rPr lang="hr-HR" dirty="0" err="1"/>
               <a:t>Typescript</a:t>
             </a:r>
             <a:endParaRPr lang="hr-HR" dirty="0"/>
@@ -4437,7 +4451,7 @@
           <a:p>
             <a:r>
               <a:rPr lang="hr-HR" dirty="0" err="1" smtClean="0"/>
-              <a:t>ECMAScript</a:t>
+              <a:t>Modules</a:t>
             </a:r>
             <a:endParaRPr lang="hr-HR" dirty="0" smtClean="0"/>
           </a:p>
@@ -4445,48 +4459,27 @@
             <a:pPr lvl="1"/>
             <a:r>
               <a:rPr lang="hr-HR" dirty="0" smtClean="0"/>
-              <a:t>Verzije </a:t>
-            </a:r>
-            <a:r>
-              <a:rPr lang="hr-HR" dirty="0" err="1" smtClean="0"/>
-              <a:t>Javascripta</a:t>
-            </a:r>
-            <a:endParaRPr lang="hr-HR" dirty="0" smtClean="0"/>
-          </a:p>
-          <a:p>
-            <a:pPr lvl="2"/>
-            <a:r>
-              <a:rPr lang="hr-HR" dirty="0" smtClean="0"/>
-              <a:t>Trenutno podržana verzija ES5</a:t>
-            </a:r>
-          </a:p>
-          <a:p>
-            <a:pPr lvl="2"/>
-            <a:r>
-              <a:rPr lang="hr-HR" dirty="0" smtClean="0"/>
-              <a:t>ES6 (ES 2015) podržan u </a:t>
-            </a:r>
-            <a:r>
-              <a:rPr lang="hr-HR" dirty="0" err="1" smtClean="0"/>
-              <a:t>Chromeu</a:t>
-            </a:r>
-            <a:r>
-              <a:rPr lang="hr-HR" dirty="0" smtClean="0"/>
-              <a:t> i Firefoxu, ali ne i na mobilnim uređajima</a:t>
-            </a:r>
-          </a:p>
-          <a:p>
-            <a:pPr lvl="1"/>
-            <a:r>
-              <a:rPr lang="hr-HR" dirty="0">
-                <a:hlinkClick r:id="rId2"/>
-              </a:rPr>
-              <a:t>http://kangax.github.io/compat-table/es6/</a:t>
-            </a:r>
-            <a:endParaRPr lang="hr-HR" dirty="0"/>
-          </a:p>
-          <a:p>
-            <a:pPr lvl="1"/>
+              <a:t>Preuzeto iz </a:t>
+            </a:r>
+            <a:r>
+              <a:rPr lang="hr-HR" dirty="0" err="1" smtClean="0"/>
+              <a:t>ECMASripta</a:t>
+            </a:r>
+            <a:r>
+              <a:rPr lang="hr-HR" dirty="0" smtClean="0"/>
+              <a:t> 2015</a:t>
+            </a:r>
+          </a:p>
+          <a:p>
+            <a:pPr lvl="1"/>
+            <a:r>
+              <a:rPr lang="hr-HR" dirty="0" smtClean="0"/>
+              <a:t>Svaki modul ima svoj </a:t>
+            </a:r>
+            <a:r>
+              <a:rPr lang="hr-HR" dirty="0" err="1" smtClean="0"/>
+              <a:t>scope</a:t>
+            </a:r>
             <a:endParaRPr lang="hr-HR" dirty="0"/>
           </a:p>
         </p:txBody>
@@ -4494,7 +4487,7 @@
     </p:spTree>
     <p:extLst>
       <p:ext uri="{BB962C8B-B14F-4D97-AF65-F5344CB8AC3E}">
-        <p14:creationId xmlns:p14="http://schemas.microsoft.com/office/powerpoint/2010/main" val="3425797922"/>
+        <p14:creationId xmlns:p14="http://schemas.microsoft.com/office/powerpoint/2010/main" val="1950537542"/>
       </p:ext>
     </p:extLst>
   </p:cSld>
@@ -4537,8 +4530,8 @@
           <a:lstStyle/>
           <a:p>
             <a:r>
-              <a:rPr lang="hr-HR" dirty="0" smtClean="0"/>
-              <a:t>Module</a:t>
+              <a:rPr lang="hr-HR" dirty="0" err="1"/>
+              <a:t>Typescript</a:t>
             </a:r>
             <a:endParaRPr lang="hr-HR" dirty="0"/>
           </a:p>
@@ -4561,7 +4554,7 @@
           <a:p>
             <a:r>
               <a:rPr lang="hr-HR" dirty="0" err="1" smtClean="0"/>
-              <a:t>Imports</a:t>
+              <a:t>Arrow</a:t>
             </a:r>
             <a:r>
               <a:rPr lang="hr-HR" dirty="0" smtClean="0"/>
@@ -4569,42 +4562,42 @@
             </a:r>
             <a:r>
               <a:rPr lang="hr-HR" dirty="0" err="1" smtClean="0"/>
-              <a:t>array</a:t>
-            </a:r>
-            <a:endParaRPr lang="hr-HR" dirty="0" smtClean="0"/>
-          </a:p>
-          <a:p>
-            <a:pPr lvl="1"/>
-            <a:r>
-              <a:rPr lang="hr-HR" dirty="0" smtClean="0"/>
-              <a:t>Mjesto gdje se deklariraju moduli koji su potrebni za aplikaciju</a:t>
-            </a:r>
-          </a:p>
-          <a:p>
-            <a:pPr lvl="1"/>
-            <a:r>
-              <a:rPr lang="hr-HR" dirty="0" smtClean="0"/>
-              <a:t>Minimalno potreban </a:t>
-            </a:r>
-            <a:r>
-              <a:rPr lang="hr-HR" dirty="0" err="1" smtClean="0"/>
-              <a:t>BrowserModule</a:t>
-            </a:r>
-            <a:endParaRPr lang="hr-HR" dirty="0" smtClean="0"/>
-          </a:p>
-          <a:p>
-            <a:pPr lvl="1"/>
-            <a:r>
-              <a:rPr lang="hr-HR" dirty="0" smtClean="0"/>
-              <a:t>Slika </a:t>
-            </a:r>
+              <a:t>notation</a:t>
+            </a:r>
+            <a:r>
+              <a:rPr lang="hr-HR" dirty="0" smtClean="0"/>
+              <a:t> =&gt;</a:t>
+            </a:r>
+          </a:p>
+          <a:p>
+            <a:pPr lvl="1"/>
+            <a:r>
+              <a:rPr lang="hr-HR" dirty="0" smtClean="0"/>
+              <a:t>Preuzeto iz </a:t>
+            </a:r>
+            <a:r>
+              <a:rPr lang="hr-HR" dirty="0" err="1" smtClean="0"/>
+              <a:t>ECMASripta</a:t>
+            </a:r>
+            <a:r>
+              <a:rPr lang="hr-HR" dirty="0" smtClean="0"/>
+              <a:t> 2015</a:t>
+            </a:r>
+          </a:p>
+          <a:p>
+            <a:pPr lvl="1"/>
+            <a:r>
+              <a:rPr lang="hr-HR" dirty="0" smtClean="0"/>
+              <a:t>Skraćeno pisanje anonimnih funkcija</a:t>
+            </a:r>
+            <a:endParaRPr lang="hr-HR" dirty="0"/>
           </a:p>
         </p:txBody>
       </p:sp>
     </p:spTree>
     <p:extLst>
       <p:ext uri="{BB962C8B-B14F-4D97-AF65-F5344CB8AC3E}">
-        <p14:creationId xmlns:p14="http://schemas.microsoft.com/office/powerpoint/2010/main" val="4046168710"/>
+        <p14:creationId xmlns:p14="http://schemas.microsoft.com/office/powerpoint/2010/main" val="3870662113"/>
       </p:ext>
     </p:extLst>
   </p:cSld>
@@ -4647,8 +4640,8 @@
           <a:lstStyle/>
           <a:p>
             <a:r>
-              <a:rPr lang="hr-HR" dirty="0" smtClean="0"/>
-              <a:t>Module</a:t>
+              <a:rPr lang="hr-HR" dirty="0" err="1"/>
+              <a:t>Typescript</a:t>
             </a:r>
             <a:endParaRPr lang="hr-HR" dirty="0"/>
           </a:p>
@@ -4671,53 +4664,58 @@
           <a:p>
             <a:r>
               <a:rPr lang="hr-HR" dirty="0" err="1" smtClean="0"/>
-              <a:t>Declarations</a:t>
-            </a:r>
-            <a:r>
-              <a:rPr lang="hr-HR" dirty="0" smtClean="0"/>
-              <a:t> </a:t>
-            </a:r>
-            <a:r>
-              <a:rPr lang="hr-HR" dirty="0" err="1" smtClean="0"/>
-              <a:t>array</a:t>
-            </a:r>
-            <a:endParaRPr lang="hr-HR" dirty="0" smtClean="0"/>
-          </a:p>
-          <a:p>
-            <a:pPr lvl="1"/>
-            <a:r>
-              <a:rPr lang="hr-HR" dirty="0" smtClean="0"/>
-              <a:t>Mjesto gdje se deklariraju komponente, direktive i </a:t>
-            </a:r>
-            <a:r>
-              <a:rPr lang="hr-HR" dirty="0" err="1" smtClean="0"/>
-              <a:t>pipeovi</a:t>
-            </a:r>
-            <a:r>
-              <a:rPr lang="hr-HR" dirty="0" smtClean="0"/>
-              <a:t> koji pripadaju modulu</a:t>
-            </a:r>
-          </a:p>
-          <a:p>
-            <a:pPr lvl="1"/>
-            <a:r>
-              <a:rPr lang="hr-HR" dirty="0" smtClean="0"/>
-              <a:t>Servisi i modeli ne pripadaju ovdje</a:t>
-            </a:r>
-          </a:p>
-          <a:p>
-            <a:pPr lvl="1"/>
-            <a:r>
-              <a:rPr lang="hr-HR" dirty="0" smtClean="0"/>
-              <a:t>Slika</a:t>
-            </a:r>
+              <a:t>Default</a:t>
+            </a:r>
+            <a:r>
+              <a:rPr lang="hr-HR" dirty="0" smtClean="0"/>
+              <a:t> / </a:t>
+            </a:r>
+            <a:r>
+              <a:rPr lang="hr-HR" dirty="0" err="1" smtClean="0"/>
+              <a:t>optional</a:t>
+            </a:r>
+            <a:r>
+              <a:rPr lang="hr-HR" dirty="0" smtClean="0"/>
+              <a:t> para</a:t>
+            </a:r>
+          </a:p>
+          <a:p>
+            <a:pPr lvl="1"/>
+            <a:r>
+              <a:rPr lang="hr-HR" dirty="0" smtClean="0"/>
+              <a:t>Preuzeto iz </a:t>
+            </a:r>
+            <a:r>
+              <a:rPr lang="hr-HR" dirty="0" err="1" smtClean="0"/>
+              <a:t>ECMASripta</a:t>
+            </a:r>
+            <a:r>
+              <a:rPr lang="hr-HR" dirty="0" smtClean="0"/>
+              <a:t> 2015</a:t>
+            </a:r>
+          </a:p>
+          <a:p>
+            <a:pPr lvl="1"/>
+            <a:r>
+              <a:rPr lang="hr-HR" dirty="0" smtClean="0"/>
+              <a:t>Mogućnost deklariranja opcionalnih parametara i njihovih </a:t>
+            </a:r>
+            <a:r>
+              <a:rPr lang="hr-HR" dirty="0" err="1" smtClean="0"/>
+              <a:t>defaultnih</a:t>
+            </a:r>
+            <a:r>
+              <a:rPr lang="hr-HR" dirty="0" smtClean="0"/>
+              <a:t> vrijednosti</a:t>
+            </a:r>
+            <a:endParaRPr lang="hr-HR" dirty="0"/>
           </a:p>
         </p:txBody>
       </p:sp>
     </p:spTree>
     <p:extLst>
       <p:ext uri="{BB962C8B-B14F-4D97-AF65-F5344CB8AC3E}">
-        <p14:creationId xmlns:p14="http://schemas.microsoft.com/office/powerpoint/2010/main" val="2736486467"/>
+        <p14:creationId xmlns:p14="http://schemas.microsoft.com/office/powerpoint/2010/main" val="522140378"/>
       </p:ext>
     </p:extLst>
   </p:cSld>
@@ -4760,8 +4758,8 @@
           <a:lstStyle/>
           <a:p>
             <a:r>
-              <a:rPr lang="hr-HR" dirty="0" smtClean="0"/>
-              <a:t>Module</a:t>
+              <a:rPr lang="hr-HR" dirty="0" err="1" smtClean="0"/>
+              <a:t>Typescript</a:t>
             </a:r>
             <a:endParaRPr lang="hr-HR" dirty="0"/>
           </a:p>
@@ -4784,15 +4782,7 @@
           <a:p>
             <a:r>
               <a:rPr lang="hr-HR" dirty="0" err="1" smtClean="0"/>
-              <a:t>Providers</a:t>
-            </a:r>
-            <a:r>
-              <a:rPr lang="hr-HR" dirty="0" smtClean="0"/>
-              <a:t> </a:t>
-            </a:r>
-            <a:r>
-              <a:rPr lang="hr-HR" dirty="0" err="1" smtClean="0"/>
-              <a:t>array</a:t>
+              <a:t>Tsconfig.json</a:t>
             </a:r>
             <a:endParaRPr lang="hr-HR" dirty="0" smtClean="0"/>
           </a:p>
@@ -4800,54 +4790,51 @@
             <a:pPr lvl="1"/>
             <a:r>
               <a:rPr lang="hr-HR" dirty="0" smtClean="0"/>
-              <a:t>Mjesto gdje se deklariraju servisi i ostale klase koje se žele </a:t>
-            </a:r>
-            <a:r>
-              <a:rPr lang="hr-HR" dirty="0" err="1" smtClean="0"/>
-              <a:t>injectati</a:t>
+              <a:t>Konfiguracijska datoteka</a:t>
+            </a:r>
+          </a:p>
+          <a:p>
+            <a:pPr lvl="1"/>
+            <a:r>
+              <a:rPr lang="hr-HR" dirty="0" smtClean="0"/>
+              <a:t>Omogućuje </a:t>
+            </a:r>
+            <a:r>
+              <a:rPr lang="hr-HR" dirty="0" err="1" smtClean="0"/>
+              <a:t>transpilaciju</a:t>
+            </a:r>
+            <a:r>
+              <a:rPr lang="hr-HR" dirty="0" smtClean="0"/>
+              <a:t> u različite verzije </a:t>
+            </a:r>
+            <a:r>
+              <a:rPr lang="hr-HR" dirty="0" err="1" smtClean="0"/>
+              <a:t>ECMAScripta</a:t>
             </a:r>
             <a:endParaRPr lang="hr-HR" dirty="0" smtClean="0"/>
           </a:p>
           <a:p>
             <a:pPr lvl="1"/>
             <a:r>
-              <a:rPr lang="hr-HR" dirty="0" err="1" smtClean="0"/>
-              <a:t>Provideri</a:t>
-            </a:r>
-            <a:r>
-              <a:rPr lang="hr-HR" dirty="0" smtClean="0"/>
-              <a:t> deklarirani u </a:t>
-            </a:r>
-            <a:r>
-              <a:rPr lang="hr-HR" dirty="0" err="1" smtClean="0"/>
-              <a:t>Root</a:t>
-            </a:r>
-            <a:r>
-              <a:rPr lang="hr-HR" dirty="0" smtClean="0"/>
-              <a:t> modulu su </a:t>
-            </a:r>
-            <a:r>
-              <a:rPr lang="hr-HR" dirty="0" err="1" smtClean="0"/>
-              <a:t>injectani</a:t>
-            </a:r>
-            <a:r>
-              <a:rPr lang="hr-HR" dirty="0" smtClean="0"/>
-              <a:t> bilo gdje u aplikaciji, ako ne postoji specifičnija deklaracija</a:t>
-            </a:r>
-          </a:p>
-          <a:p>
-            <a:pPr lvl="1"/>
-            <a:r>
-              <a:rPr lang="hr-HR" dirty="0" smtClean="0"/>
-              <a:t>Slika</a:t>
-            </a:r>
+              <a:rPr lang="hr-HR" dirty="0" smtClean="0"/>
+              <a:t>Omogućuje automatsko kreiranja .</a:t>
+            </a:r>
+            <a:r>
+              <a:rPr lang="hr-HR" dirty="0" err="1" smtClean="0"/>
+              <a:t>map</a:t>
+            </a:r>
+            <a:r>
+              <a:rPr lang="hr-HR" dirty="0" smtClean="0"/>
+              <a:t> datoteka</a:t>
+            </a:r>
+            <a:endParaRPr lang="hr-HR" dirty="0"/>
           </a:p>
         </p:txBody>
       </p:sp>
     </p:spTree>
     <p:extLst>
       <p:ext uri="{BB962C8B-B14F-4D97-AF65-F5344CB8AC3E}">
-        <p14:creationId xmlns:p14="http://schemas.microsoft.com/office/powerpoint/2010/main" val="2635034959"/>
+        <p14:creationId xmlns:p14="http://schemas.microsoft.com/office/powerpoint/2010/main" val="3643342811"/>
       </p:ext>
     </p:extLst>
   </p:cSld>
@@ -4890,8 +4877,8 @@
           <a:lstStyle/>
           <a:p>
             <a:r>
-              <a:rPr lang="hr-HR" dirty="0" smtClean="0"/>
-              <a:t>Module</a:t>
+              <a:rPr lang="hr-HR" dirty="0" err="1" smtClean="0"/>
+              <a:t>Typescript</a:t>
             </a:r>
             <a:endParaRPr lang="hr-HR" dirty="0"/>
           </a:p>
@@ -4913,16 +4900,35 @@
           <a:lstStyle/>
           <a:p>
             <a:r>
-              <a:rPr lang="hr-HR" dirty="0" err="1" smtClean="0"/>
-              <a:t>Bootstrap</a:t>
-            </a:r>
-            <a:r>
-              <a:rPr lang="hr-HR" dirty="0" smtClean="0"/>
-              <a:t> </a:t>
-            </a:r>
-            <a:r>
-              <a:rPr lang="hr-HR" dirty="0" err="1" smtClean="0"/>
-              <a:t>array</a:t>
+              <a:rPr lang="hr-HR" dirty="0" smtClean="0"/>
+              <a:t>.</a:t>
+            </a:r>
+            <a:r>
+              <a:rPr lang="hr-HR" dirty="0" err="1" smtClean="0"/>
+              <a:t>map</a:t>
+            </a:r>
+            <a:r>
+              <a:rPr lang="hr-HR" dirty="0" smtClean="0"/>
+              <a:t> datoteka</a:t>
+            </a:r>
+          </a:p>
+          <a:p>
+            <a:pPr lvl="1"/>
+            <a:r>
+              <a:rPr lang="hr-HR" dirty="0" smtClean="0"/>
+              <a:t>Omogućava </a:t>
+            </a:r>
+            <a:r>
+              <a:rPr lang="hr-HR" dirty="0" err="1" smtClean="0"/>
+              <a:t>debugiranje</a:t>
+            </a:r>
+            <a:r>
+              <a:rPr lang="hr-HR" dirty="0" smtClean="0"/>
+              <a:t> direktno u </a:t>
+            </a:r>
+            <a:r>
+              <a:rPr lang="hr-HR" dirty="0" err="1" smtClean="0"/>
+              <a:t>typescriptu</a:t>
             </a:r>
             <a:endParaRPr lang="hr-HR" dirty="0" smtClean="0"/>
           </a:p>
@@ -4930,37 +4936,28 @@
             <a:pPr lvl="1"/>
             <a:r>
               <a:rPr lang="hr-HR" dirty="0" smtClean="0"/>
-              <a:t>Mjesto gdje se deklariraju glavne komponente aplikacije</a:t>
-            </a:r>
-          </a:p>
-          <a:p>
-            <a:pPr lvl="1"/>
-            <a:r>
-              <a:rPr lang="hr-HR" dirty="0" smtClean="0"/>
-              <a:t>Obično postoji samo jedna ulazna </a:t>
-            </a:r>
-            <a:r>
-              <a:rPr lang="hr-HR" dirty="0" err="1" smtClean="0"/>
-              <a:t>bootstrapana</a:t>
-            </a:r>
-            <a:r>
-              <a:rPr lang="hr-HR" dirty="0" smtClean="0"/>
-              <a:t> komponenta</a:t>
-            </a:r>
-          </a:p>
-          <a:p>
-            <a:pPr lvl="1"/>
-            <a:r>
-              <a:rPr lang="hr-HR" dirty="0" smtClean="0"/>
-              <a:t>Slika</a:t>
-            </a:r>
+              <a:t>Moguće </a:t>
+            </a:r>
+            <a:r>
+              <a:rPr lang="hr-HR" dirty="0" err="1" smtClean="0"/>
+              <a:t>debugirati</a:t>
+            </a:r>
+            <a:r>
+              <a:rPr lang="hr-HR" dirty="0" smtClean="0"/>
+              <a:t> u browserima i VS </a:t>
+            </a:r>
+            <a:r>
+              <a:rPr lang="hr-HR" dirty="0" err="1" smtClean="0"/>
+              <a:t>Codeu</a:t>
+            </a:r>
+            <a:endParaRPr lang="hr-HR" dirty="0"/>
           </a:p>
         </p:txBody>
       </p:sp>
     </p:spTree>
     <p:extLst>
       <p:ext uri="{BB962C8B-B14F-4D97-AF65-F5344CB8AC3E}">
-        <p14:creationId xmlns:p14="http://schemas.microsoft.com/office/powerpoint/2010/main" val="2720677148"/>
+        <p14:creationId xmlns:p14="http://schemas.microsoft.com/office/powerpoint/2010/main" val="2441703799"/>
       </p:ext>
     </p:extLst>
   </p:cSld>
@@ -5004,7 +5001,7 @@
           <a:p>
             <a:r>
               <a:rPr lang="hr-HR" dirty="0" err="1" smtClean="0"/>
-              <a:t>Component</a:t>
+              <a:t>Typescript</a:t>
             </a:r>
             <a:endParaRPr lang="hr-HR" dirty="0"/>
           </a:p>
@@ -5027,7 +5024,7 @@
           <a:p>
             <a:r>
               <a:rPr lang="hr-HR" dirty="0" err="1" smtClean="0"/>
-              <a:t>Dekoratori</a:t>
+              <a:t>ECMAScript</a:t>
             </a:r>
             <a:endParaRPr lang="hr-HR" dirty="0" smtClean="0"/>
           </a:p>
@@ -5035,76 +5032,48 @@
             <a:pPr lvl="1"/>
             <a:r>
               <a:rPr lang="hr-HR" dirty="0" smtClean="0"/>
-              <a:t>Funkcija koja pridodaje </a:t>
-            </a:r>
-            <a:r>
-              <a:rPr lang="hr-HR" dirty="0" err="1" smtClean="0"/>
-              <a:t>metadata</a:t>
-            </a:r>
-            <a:r>
-              <a:rPr lang="hr-HR" dirty="0" smtClean="0"/>
-              <a:t> klasama, funkcijama i argumentima</a:t>
-            </a:r>
-          </a:p>
-          <a:p>
-            <a:pPr lvl="1"/>
-            <a:r>
-              <a:rPr lang="hr-HR" dirty="0" smtClean="0"/>
-              <a:t>Počinje @ znakom i nalazi se ispred deklaracije stvari koju opisuje</a:t>
-            </a:r>
+              <a:t>Verzije </a:t>
+            </a:r>
+            <a:r>
+              <a:rPr lang="hr-HR" dirty="0" err="1" smtClean="0"/>
+              <a:t>Javascripta</a:t>
+            </a:r>
+            <a:endParaRPr lang="hr-HR" dirty="0" smtClean="0"/>
           </a:p>
           <a:p>
             <a:pPr lvl="2"/>
             <a:r>
               <a:rPr lang="hr-HR" dirty="0" smtClean="0"/>
-              <a:t>@</a:t>
-            </a:r>
-            <a:r>
-              <a:rPr lang="hr-HR" dirty="0" err="1" smtClean="0"/>
-              <a:t>Component</a:t>
-            </a:r>
-            <a:r>
-              <a:rPr lang="hr-HR" dirty="0" smtClean="0"/>
-              <a:t>()</a:t>
+              <a:t>Trenutno podržana verzija ES5</a:t>
             </a:r>
           </a:p>
           <a:p>
             <a:pPr lvl="2"/>
             <a:r>
               <a:rPr lang="hr-HR" dirty="0" smtClean="0"/>
-              <a:t>@Input()</a:t>
-            </a:r>
-          </a:p>
-          <a:p>
-            <a:pPr lvl="2"/>
-            <a:r>
-              <a:rPr lang="hr-HR" dirty="0" smtClean="0"/>
-              <a:t>@Output()</a:t>
-            </a:r>
-          </a:p>
-          <a:p>
-            <a:pPr lvl="2"/>
-            <a:r>
-              <a:rPr lang="hr-HR" dirty="0" smtClean="0"/>
-              <a:t>@</a:t>
-            </a:r>
-            <a:r>
-              <a:rPr lang="hr-HR" dirty="0" err="1" smtClean="0"/>
-              <a:t>Inject</a:t>
-            </a:r>
-            <a:r>
-              <a:rPr lang="hr-HR" dirty="0" smtClean="0"/>
-              <a:t>()</a:t>
-            </a:r>
-          </a:p>
-          <a:p>
-            <a:pPr lvl="2"/>
-            <a:r>
-              <a:rPr lang="hr-HR" dirty="0" smtClean="0"/>
-              <a:t>…</a:t>
-            </a:r>
-          </a:p>
-          <a:p>
+              <a:t>ES6 (ES 2015) podržan u </a:t>
+            </a:r>
+            <a:r>
+              <a:rPr lang="hr-HR" dirty="0" err="1" smtClean="0"/>
+              <a:t>Chromeu</a:t>
+            </a:r>
+            <a:r>
+              <a:rPr lang="hr-HR" dirty="0" smtClean="0"/>
+              <a:t> i Firefoxu, ali ne i na mobilnim uređajima</a:t>
+            </a:r>
+          </a:p>
+          <a:p>
+            <a:pPr lvl="1"/>
+            <a:r>
+              <a:rPr lang="hr-HR" dirty="0">
+                <a:hlinkClick r:id="rId2"/>
+              </a:rPr>
+              <a:t>http://kangax.github.io/compat-table/es6/</a:t>
+            </a:r>
+            <a:endParaRPr lang="hr-HR" dirty="0"/>
+          </a:p>
+          <a:p>
+            <a:pPr lvl="1"/>
             <a:endParaRPr lang="hr-HR" dirty="0"/>
           </a:p>
         </p:txBody>
@@ -5112,7 +5081,7 @@
     </p:spTree>
     <p:extLst>
       <p:ext uri="{BB962C8B-B14F-4D97-AF65-F5344CB8AC3E}">
-        <p14:creationId xmlns:p14="http://schemas.microsoft.com/office/powerpoint/2010/main" val="2752812558"/>
+        <p14:creationId xmlns:p14="http://schemas.microsoft.com/office/powerpoint/2010/main" val="3425797922"/>
       </p:ext>
     </p:extLst>
   </p:cSld>
@@ -5155,8 +5124,8 @@
           <a:lstStyle/>
           <a:p>
             <a:r>
-              <a:rPr lang="hr-HR" dirty="0" err="1" smtClean="0"/>
-              <a:t>Component</a:t>
+              <a:rPr lang="hr-HR" dirty="0" smtClean="0"/>
+              <a:t>Module</a:t>
             </a:r>
             <a:endParaRPr lang="hr-HR" dirty="0"/>
           </a:p>
@@ -5174,84 +5143,20 @@
         </p:nvSpPr>
         <p:spPr/>
         <p:txBody>
-          <a:bodyPr>
-            <a:normAutofit lnSpcReduction="10000"/>
-          </a:bodyPr>
-          <a:lstStyle/>
-          <a:p>
-            <a:r>
-              <a:rPr lang="hr-HR" dirty="0" smtClean="0"/>
-              <a:t>@</a:t>
-            </a:r>
-            <a:r>
-              <a:rPr lang="hr-HR" dirty="0" err="1" smtClean="0"/>
-              <a:t>Component</a:t>
-            </a:r>
-            <a:r>
-              <a:rPr lang="hr-HR" dirty="0" smtClean="0"/>
-              <a:t>()</a:t>
-            </a:r>
-          </a:p>
-          <a:p>
-            <a:pPr lvl="1"/>
-            <a:r>
-              <a:rPr lang="hr-HR" dirty="0" err="1" smtClean="0"/>
-              <a:t>Selector</a:t>
-            </a:r>
-            <a:r>
-              <a:rPr lang="hr-HR" dirty="0" smtClean="0"/>
-              <a:t>: naziv HTML </a:t>
-            </a:r>
-            <a:r>
-              <a:rPr lang="hr-HR" dirty="0" err="1" smtClean="0"/>
-              <a:t>taga</a:t>
-            </a:r>
-            <a:r>
-              <a:rPr lang="hr-HR" dirty="0" smtClean="0"/>
-              <a:t> u koji se učitava komponenta</a:t>
-            </a:r>
-          </a:p>
-          <a:p>
-            <a:pPr lvl="1"/>
-            <a:r>
-              <a:rPr lang="hr-HR" dirty="0" smtClean="0"/>
-              <a:t>Template: HTML kod komponente</a:t>
-            </a:r>
-          </a:p>
-          <a:p>
-            <a:pPr lvl="1"/>
-            <a:r>
-              <a:rPr lang="hr-HR" dirty="0" err="1" smtClean="0"/>
-              <a:t>TemplateURL</a:t>
-            </a:r>
-            <a:r>
-              <a:rPr lang="hr-HR" dirty="0" smtClean="0"/>
-              <a:t>: HTML kod </a:t>
-            </a:r>
-            <a:r>
-              <a:rPr lang="hr-HR" dirty="0" err="1" smtClean="0"/>
-              <a:t>moponente</a:t>
-            </a:r>
-            <a:r>
-              <a:rPr lang="hr-HR" dirty="0" smtClean="0"/>
-              <a:t> u zasebnoj datoteci</a:t>
-            </a:r>
-          </a:p>
-          <a:p>
-            <a:pPr lvl="1"/>
-            <a:r>
-              <a:rPr lang="hr-HR" dirty="0" err="1" smtClean="0"/>
-              <a:t>Providers</a:t>
-            </a:r>
-            <a:r>
-              <a:rPr lang="hr-HR" dirty="0" smtClean="0"/>
-              <a:t>: DI na razini komponente</a:t>
-            </a:r>
-          </a:p>
-          <a:p>
-            <a:r>
-              <a:rPr lang="hr-HR" dirty="0" err="1" smtClean="0"/>
-              <a:t>Constructor</a:t>
+          <a:bodyPr/>
+          <a:lstStyle/>
+          <a:p>
+            <a:r>
+              <a:rPr lang="hr-HR" dirty="0" err="1" smtClean="0"/>
+              <a:t>Imports</a:t>
+            </a:r>
+            <a:r>
+              <a:rPr lang="hr-HR" dirty="0" smtClean="0"/>
+              <a:t> </a:t>
+            </a:r>
+            <a:r>
+              <a:rPr lang="hr-HR" dirty="0" err="1" smtClean="0"/>
+              <a:t>array</a:t>
             </a:r>
             <a:endParaRPr lang="hr-HR" dirty="0" smtClean="0"/>
           </a:p>
@@ -5259,44 +5164,34 @@
             <a:pPr lvl="1"/>
             <a:r>
               <a:rPr lang="hr-HR" dirty="0" smtClean="0"/>
-              <a:t>Koristimo za DI i jednostavna pridruživanja </a:t>
-            </a:r>
-            <a:r>
-              <a:rPr lang="hr-HR" dirty="0" err="1" smtClean="0"/>
-              <a:t>propertyja</a:t>
+              <a:t>Mjesto gdje se deklariraju moduli koji su potrebni za aplikaciju</a:t>
+            </a:r>
+          </a:p>
+          <a:p>
+            <a:pPr lvl="1"/>
+            <a:r>
+              <a:rPr lang="hr-HR" dirty="0" smtClean="0"/>
+              <a:t>Minimalno potreban </a:t>
+            </a:r>
+            <a:r>
+              <a:rPr lang="hr-HR" dirty="0" err="1" smtClean="0"/>
+              <a:t>BrowserModule</a:t>
             </a:r>
             <a:endParaRPr lang="hr-HR" dirty="0" smtClean="0"/>
           </a:p>
           <a:p>
-            <a:r>
-              <a:rPr lang="hr-HR" dirty="0" err="1" smtClean="0"/>
-              <a:t>OnInit</a:t>
-            </a:r>
-            <a:endParaRPr lang="hr-HR" dirty="0" smtClean="0"/>
-          </a:p>
-          <a:p>
-            <a:pPr lvl="1"/>
-            <a:r>
-              <a:rPr lang="hr-HR" dirty="0" smtClean="0"/>
-              <a:t>Koristimo za dohvat početnih podataka, kompleksniju logiku potrebnu za početno stanje komponente</a:t>
-            </a:r>
-            <a:endParaRPr lang="hr-HR" dirty="0"/>
-          </a:p>
-          <a:p>
-            <a:r>
-              <a:rPr lang="hr-HR" dirty="0" smtClean="0"/>
-              <a:t>slika</a:t>
-            </a:r>
-          </a:p>
-          <a:p>
-            <a:endParaRPr lang="hr-HR" dirty="0"/>
+            <a:pPr lvl="1"/>
+            <a:r>
+              <a:rPr lang="hr-HR" dirty="0" smtClean="0"/>
+              <a:t>Slika </a:t>
+            </a:r>
           </a:p>
         </p:txBody>
       </p:sp>
     </p:spTree>
     <p:extLst>
       <p:ext uri="{BB962C8B-B14F-4D97-AF65-F5344CB8AC3E}">
-        <p14:creationId xmlns:p14="http://schemas.microsoft.com/office/powerpoint/2010/main" val="1185261541"/>
+        <p14:creationId xmlns:p14="http://schemas.microsoft.com/office/powerpoint/2010/main" val="4046168710"/>
       </p:ext>
     </p:extLst>
   </p:cSld>
@@ -5340,7 +5235,7 @@
           <a:p>
             <a:r>
               <a:rPr lang="hr-HR" dirty="0" smtClean="0"/>
-              <a:t>Service</a:t>
+              <a:t>Module</a:t>
             </a:r>
             <a:endParaRPr lang="hr-HR" dirty="0"/>
           </a:p>
@@ -5362,83 +5257,54 @@
           <a:lstStyle/>
           <a:p>
             <a:r>
-              <a:rPr lang="hr-HR" dirty="0" smtClean="0"/>
-              <a:t>@</a:t>
-            </a:r>
-            <a:r>
-              <a:rPr lang="hr-HR" dirty="0" err="1" smtClean="0"/>
-              <a:t>Injectable</a:t>
-            </a:r>
-            <a:r>
-              <a:rPr lang="hr-HR" dirty="0" smtClean="0"/>
-              <a:t>()</a:t>
-            </a:r>
-          </a:p>
-          <a:p>
-            <a:pPr lvl="1"/>
-            <a:r>
-              <a:rPr lang="hr-HR" dirty="0" err="1" smtClean="0"/>
-              <a:t>Dekorator</a:t>
-            </a:r>
-            <a:r>
-              <a:rPr lang="hr-HR" dirty="0" smtClean="0"/>
-              <a:t> koji koristimo da </a:t>
-            </a:r>
-            <a:r>
-              <a:rPr lang="hr-HR" dirty="0" err="1" smtClean="0"/>
-              <a:t>Angular</a:t>
-            </a:r>
-            <a:r>
-              <a:rPr lang="hr-HR" dirty="0" smtClean="0"/>
-              <a:t> shvati klasu kao spremnu za DI</a:t>
-            </a:r>
-          </a:p>
-          <a:p>
-            <a:pPr lvl="1"/>
-            <a:r>
-              <a:rPr lang="hr-HR" dirty="0" smtClean="0"/>
-              <a:t>@</a:t>
-            </a:r>
-            <a:r>
-              <a:rPr lang="hr-HR" dirty="0" err="1" smtClean="0"/>
-              <a:t>Component</a:t>
-            </a:r>
-            <a:r>
-              <a:rPr lang="hr-HR" dirty="0" smtClean="0"/>
-              <a:t>, @</a:t>
-            </a:r>
-            <a:r>
-              <a:rPr lang="hr-HR" dirty="0" err="1" smtClean="0"/>
-              <a:t>Directive</a:t>
-            </a:r>
-            <a:r>
-              <a:rPr lang="hr-HR" dirty="0" smtClean="0"/>
-              <a:t>, @Pipe su </a:t>
-            </a:r>
-            <a:r>
-              <a:rPr lang="hr-HR" dirty="0" err="1" smtClean="0"/>
-              <a:t>subtypeovi</a:t>
-            </a:r>
-            <a:r>
-              <a:rPr lang="hr-HR" dirty="0" smtClean="0"/>
-              <a:t> od @</a:t>
-            </a:r>
-            <a:r>
-              <a:rPr lang="hr-HR" dirty="0" err="1" smtClean="0"/>
-              <a:t>Injectable</a:t>
+              <a:rPr lang="hr-HR" dirty="0" err="1" smtClean="0"/>
+              <a:t>Declarations</a:t>
+            </a:r>
+            <a:r>
+              <a:rPr lang="hr-HR" dirty="0" smtClean="0"/>
+              <a:t> </a:t>
+            </a:r>
+            <a:r>
+              <a:rPr lang="hr-HR" dirty="0" err="1" smtClean="0"/>
+              <a:t>array</a:t>
             </a:r>
             <a:endParaRPr lang="hr-HR" dirty="0" smtClean="0"/>
           </a:p>
           <a:p>
             <a:pPr lvl="1"/>
-            <a:endParaRPr lang="hr-HR" dirty="0" smtClean="0"/>
+            <a:r>
+              <a:rPr lang="hr-HR" dirty="0" smtClean="0"/>
+              <a:t>Mjesto gdje se deklariraju komponente, direktive i </a:t>
+            </a:r>
+            <a:r>
+              <a:rPr lang="hr-HR" dirty="0" err="1" smtClean="0"/>
+              <a:t>pipeovi</a:t>
+            </a:r>
+            <a:r>
+              <a:rPr lang="hr-HR" dirty="0" smtClean="0"/>
+              <a:t> koji pripadaju modulu</a:t>
+            </a:r>
+          </a:p>
+          <a:p>
+            <a:pPr lvl="1"/>
+            <a:r>
+              <a:rPr lang="hr-HR" dirty="0" smtClean="0"/>
+              <a:t>Servisi i modeli ne pripadaju ovdje</a:t>
+            </a:r>
+          </a:p>
+          <a:p>
+            <a:pPr lvl="1"/>
+            <a:r>
+              <a:rPr lang="hr-HR" dirty="0" smtClean="0"/>
+              <a:t>Slika</a:t>
+            </a:r>
           </a:p>
         </p:txBody>
       </p:sp>
     </p:spTree>
     <p:extLst>
       <p:ext uri="{BB962C8B-B14F-4D97-AF65-F5344CB8AC3E}">
-        <p14:creationId xmlns:p14="http://schemas.microsoft.com/office/powerpoint/2010/main" val="1944832731"/>
+        <p14:creationId xmlns:p14="http://schemas.microsoft.com/office/powerpoint/2010/main" val="2736486467"/>
       </p:ext>
     </p:extLst>
   </p:cSld>
@@ -5482,7 +5348,7 @@
           <a:p>
             <a:r>
               <a:rPr lang="hr-HR" dirty="0" smtClean="0"/>
-              <a:t>Service</a:t>
+              <a:t>Module</a:t>
             </a:r>
             <a:endParaRPr lang="hr-HR" dirty="0"/>
           </a:p>
@@ -5504,185 +5370,71 @@
           <a:lstStyle/>
           <a:p>
             <a:r>
-              <a:rPr lang="hr-HR" dirty="0" err="1"/>
+              <a:rPr lang="hr-HR" dirty="0" err="1" smtClean="0"/>
               <a:t>Providers</a:t>
             </a:r>
             <a:r>
-              <a:rPr lang="hr-HR" dirty="0"/>
+              <a:rPr lang="hr-HR" dirty="0" smtClean="0"/>
               <a:t> </a:t>
             </a:r>
             <a:r>
-              <a:rPr lang="hr-HR" dirty="0" err="1"/>
-              <a:t>Array</a:t>
-            </a:r>
-            <a:endParaRPr lang="hr-HR" dirty="0"/>
-          </a:p>
-          <a:p>
-            <a:pPr lvl="1"/>
-            <a:r>
-              <a:rPr lang="hr-HR" dirty="0"/>
-              <a:t>Registriramo sve servise koje želimo da se </a:t>
-            </a:r>
-            <a:r>
-              <a:rPr lang="hr-HR" dirty="0" err="1"/>
-              <a:t>injectaju</a:t>
-            </a:r>
-            <a:r>
-              <a:rPr lang="hr-HR" dirty="0"/>
-              <a:t> (na razini aplikacije) u </a:t>
-            </a:r>
-            <a:r>
-              <a:rPr lang="hr-HR" dirty="0" err="1"/>
-              <a:t>app.component.ts</a:t>
-            </a:r>
-            <a:endParaRPr lang="hr-HR" dirty="0"/>
-          </a:p>
-          <a:p>
-            <a:pPr lvl="1"/>
-            <a:r>
-              <a:rPr lang="hr-HR" dirty="0" err="1"/>
-              <a:t>providers</a:t>
-            </a:r>
-            <a:r>
-              <a:rPr lang="hr-HR" dirty="0"/>
-              <a:t>: </a:t>
-            </a:r>
-            <a:r>
-              <a:rPr lang="hr-HR" dirty="0" smtClean="0"/>
-              <a:t>[</a:t>
-            </a:r>
-            <a:r>
-              <a:rPr lang="hr-HR" dirty="0" err="1" smtClean="0"/>
-              <a:t>MyService</a:t>
-            </a:r>
-            <a:r>
-              <a:rPr lang="hr-HR" dirty="0" smtClean="0"/>
-              <a:t>]</a:t>
-            </a:r>
-          </a:p>
-          <a:p>
-            <a:pPr lvl="1"/>
-            <a:r>
-              <a:rPr lang="hr-HR" dirty="0"/>
-              <a:t>[{ provide: </a:t>
-            </a:r>
-            <a:r>
-              <a:rPr lang="hr-HR" dirty="0" err="1"/>
-              <a:t>MyService</a:t>
-            </a:r>
-            <a:r>
-              <a:rPr lang="hr-HR" dirty="0" smtClean="0"/>
-              <a:t>, </a:t>
-            </a:r>
-            <a:r>
-              <a:rPr lang="hr-HR" dirty="0" err="1"/>
-              <a:t>useClass</a:t>
-            </a:r>
-            <a:r>
-              <a:rPr lang="hr-HR" dirty="0"/>
-              <a:t>: </a:t>
-            </a:r>
-            <a:r>
-              <a:rPr lang="hr-HR" dirty="0" err="1"/>
-              <a:t>MyService</a:t>
-            </a:r>
-            <a:r>
-              <a:rPr lang="hr-HR" dirty="0" smtClean="0"/>
-              <a:t>}]</a:t>
-            </a:r>
-          </a:p>
-          <a:p>
-            <a:pPr lvl="1"/>
-            <a:r>
-              <a:rPr lang="hr-HR" dirty="0"/>
-              <a:t>[{ provide: </a:t>
-            </a:r>
-            <a:r>
-              <a:rPr lang="hr-HR" dirty="0" err="1"/>
-              <a:t>MyService</a:t>
-            </a:r>
-            <a:r>
-              <a:rPr lang="hr-HR" dirty="0"/>
-              <a:t>, </a:t>
-            </a:r>
-            <a:r>
-              <a:rPr lang="hr-HR" dirty="0" err="1"/>
-              <a:t>useClass</a:t>
-            </a:r>
-            <a:r>
-              <a:rPr lang="hr-HR" dirty="0"/>
-              <a:t>: </a:t>
-            </a:r>
-            <a:r>
-              <a:rPr lang="hr-HR" dirty="0" err="1" smtClean="0"/>
-              <a:t>MyNewService</a:t>
-            </a:r>
-            <a:r>
-              <a:rPr lang="hr-HR" dirty="0"/>
-              <a:t>}]</a:t>
-            </a:r>
-          </a:p>
-          <a:p>
-            <a:pPr lvl="2"/>
-            <a:r>
-              <a:rPr lang="hr-HR" dirty="0" err="1"/>
-              <a:t>c</a:t>
-            </a:r>
-            <a:r>
-              <a:rPr lang="hr-HR" dirty="0" err="1" smtClean="0"/>
-              <a:t>lass</a:t>
-            </a:r>
-            <a:r>
-              <a:rPr lang="hr-HR" dirty="0" smtClean="0"/>
-              <a:t> </a:t>
-            </a:r>
-            <a:r>
-              <a:rPr lang="hr-HR" dirty="0" err="1" smtClean="0"/>
-              <a:t>MyNewService</a:t>
-            </a:r>
-            <a:r>
-              <a:rPr lang="hr-HR" dirty="0" smtClean="0"/>
-              <a:t> </a:t>
-            </a:r>
-            <a:r>
-              <a:rPr lang="hr-HR" dirty="0" err="1" smtClean="0"/>
-              <a:t>extends</a:t>
-            </a:r>
-            <a:r>
-              <a:rPr lang="hr-HR" dirty="0" smtClean="0"/>
-              <a:t> </a:t>
-            </a:r>
-            <a:r>
-              <a:rPr lang="hr-HR" dirty="0" err="1" smtClean="0"/>
-              <a:t>MyService</a:t>
+              <a:rPr lang="hr-HR" dirty="0" err="1" smtClean="0"/>
+              <a:t>array</a:t>
             </a:r>
             <a:endParaRPr lang="hr-HR" dirty="0" smtClean="0"/>
           </a:p>
           <a:p>
-            <a:pPr lvl="2"/>
-            <a:r>
-              <a:rPr lang="hr-HR" dirty="0" smtClean="0"/>
-              <a:t>Zamjena klase na aplikacijskoj razini na jednom mjestu</a:t>
-            </a:r>
-          </a:p>
-          <a:p>
-            <a:pPr lvl="1"/>
-            <a:r>
-              <a:rPr lang="hr-HR" dirty="0" smtClean="0"/>
-              <a:t>Korištenje </a:t>
-            </a:r>
-            <a:r>
-              <a:rPr lang="hr-HR" dirty="0" err="1" smtClean="0"/>
-              <a:t>interfacea</a:t>
+            <a:pPr lvl="1"/>
+            <a:r>
+              <a:rPr lang="hr-HR" dirty="0" smtClean="0"/>
+              <a:t>Mjesto gdje se deklariraju servisi i ostale klase koje se žele </a:t>
+            </a:r>
+            <a:r>
+              <a:rPr lang="hr-HR" dirty="0" err="1" smtClean="0"/>
+              <a:t>injectati</a:t>
             </a:r>
             <a:endParaRPr lang="hr-HR" dirty="0" smtClean="0"/>
+          </a:p>
+          <a:p>
+            <a:pPr lvl="1"/>
+            <a:r>
+              <a:rPr lang="hr-HR" dirty="0" err="1" smtClean="0"/>
+              <a:t>Provideri</a:t>
+            </a:r>
+            <a:r>
+              <a:rPr lang="hr-HR" dirty="0" smtClean="0"/>
+              <a:t> deklarirani u </a:t>
+            </a:r>
+            <a:r>
+              <a:rPr lang="hr-HR" dirty="0" err="1" smtClean="0"/>
+              <a:t>Root</a:t>
+            </a:r>
+            <a:r>
+              <a:rPr lang="hr-HR" dirty="0" smtClean="0"/>
+              <a:t> modulu su </a:t>
+            </a:r>
+            <a:r>
+              <a:rPr lang="hr-HR" dirty="0" err="1" smtClean="0"/>
+              <a:t>injectani</a:t>
+            </a:r>
+            <a:r>
+              <a:rPr lang="hr-HR" dirty="0" smtClean="0"/>
+              <a:t> bilo gdje u aplikaciji, ako ne postoji specifičnija deklaracija</a:t>
+            </a:r>
+          </a:p>
+          <a:p>
+            <a:pPr lvl="1"/>
+            <a:r>
+              <a:rPr lang="hr-HR" dirty="0" smtClean="0"/>
+              <a:t>Slika</a:t>
+            </a:r>
           </a:p>
         </p:txBody>
       </p:sp>
     </p:spTree>
     <p:extLst>
       <p:ext uri="{BB962C8B-B14F-4D97-AF65-F5344CB8AC3E}">
-        <p14:creationId xmlns:p14="http://schemas.microsoft.com/office/powerpoint/2010/main" val="664441564"/>
+        <p14:creationId xmlns:p14="http://schemas.microsoft.com/office/powerpoint/2010/main" val="2635034959"/>
       </p:ext>
     </p:extLst>
   </p:cSld>
@@ -5763,10 +5515,169 @@
           <a:bodyPr/>
           <a:lstStyle/>
           <a:p>
-            <a:endParaRPr lang="hr-HR"/>
-          </a:p>
-        </p:txBody>
-      </p:sp>
+            <a:r>
+              <a:rPr lang="hr-HR" dirty="0" smtClean="0"/>
+              <a:t>Kreiramo mapu na disku gdje želimo da se nalazi naš </a:t>
+            </a:r>
+            <a:r>
+              <a:rPr lang="hr-HR" dirty="0" err="1" smtClean="0"/>
+              <a:t>webshop</a:t>
+            </a:r>
+            <a:endParaRPr lang="hr-HR" dirty="0" smtClean="0"/>
+          </a:p>
+          <a:p>
+            <a:r>
+              <a:rPr lang="hr-HR" dirty="0" err="1" smtClean="0"/>
+              <a:t>Navigiramo</a:t>
+            </a:r>
+            <a:r>
+              <a:rPr lang="hr-HR" dirty="0" smtClean="0"/>
+              <a:t> u nju kroz Windows Explorer</a:t>
+            </a:r>
+          </a:p>
+          <a:p>
+            <a:r>
+              <a:rPr lang="hr-HR" dirty="0" smtClean="0"/>
+              <a:t>Držimo tipku </a:t>
+            </a:r>
+            <a:r>
+              <a:rPr lang="hr-HR" dirty="0" err="1" smtClean="0"/>
+              <a:t>shift</a:t>
+            </a:r>
+            <a:r>
+              <a:rPr lang="hr-HR" dirty="0" smtClean="0"/>
+              <a:t> te pritisnemo desnim klikom u prazni dio mape</a:t>
+            </a:r>
+          </a:p>
+          <a:p>
+            <a:r>
+              <a:rPr lang="hr-HR" dirty="0" smtClean="0"/>
+              <a:t>Odaberemo opciju „</a:t>
+            </a:r>
+            <a:r>
+              <a:rPr lang="hr-HR" dirty="0"/>
+              <a:t>O</a:t>
+            </a:r>
+            <a:r>
+              <a:rPr lang="hr-HR" dirty="0" smtClean="0"/>
+              <a:t>pen </a:t>
+            </a:r>
+            <a:r>
+              <a:rPr lang="hr-HR" dirty="0" err="1" smtClean="0"/>
+              <a:t>command</a:t>
+            </a:r>
+            <a:r>
+              <a:rPr lang="hr-HR" dirty="0" smtClean="0"/>
+              <a:t> window </a:t>
+            </a:r>
+            <a:r>
+              <a:rPr lang="hr-HR" dirty="0" err="1" smtClean="0"/>
+              <a:t>here</a:t>
+            </a:r>
+            <a:r>
+              <a:rPr lang="hr-HR" dirty="0" smtClean="0"/>
+              <a:t>”</a:t>
+            </a:r>
+          </a:p>
+          <a:p>
+            <a:r>
+              <a:rPr lang="hr-HR" dirty="0" smtClean="0"/>
+              <a:t>Upišemo:</a:t>
+            </a:r>
+            <a:endParaRPr lang="hr-HR" dirty="0"/>
+          </a:p>
+          <a:p>
+            <a:pPr lvl="1"/>
+            <a:r>
+              <a:rPr lang="hr-HR" dirty="0" err="1"/>
+              <a:t>git</a:t>
+            </a:r>
+            <a:r>
+              <a:rPr lang="hr-HR" dirty="0"/>
+              <a:t> </a:t>
+            </a:r>
+            <a:r>
+              <a:rPr lang="hr-HR" dirty="0" err="1"/>
+              <a:t>clone</a:t>
+            </a:r>
+            <a:r>
+              <a:rPr lang="hr-HR" dirty="0"/>
+              <a:t> </a:t>
+            </a:r>
+            <a:r>
+              <a:rPr lang="hr-HR" dirty="0">
+                <a:hlinkClick r:id="rId2"/>
+              </a:rPr>
+              <a:t>https://</a:t>
+            </a:r>
+            <a:r>
+              <a:rPr lang="hr-HR" dirty="0" smtClean="0">
+                <a:hlinkClick r:id="rId2"/>
+              </a:rPr>
+              <a:t>github.com/angular/quickstart.git</a:t>
+            </a:r>
+            <a:endParaRPr lang="hr-HR" dirty="0" smtClean="0"/>
+          </a:p>
+          <a:p>
+            <a:pPr lvl="1"/>
+            <a:r>
+              <a:rPr lang="hr-HR" dirty="0" smtClean="0"/>
+              <a:t>Ovom naredbom preuzimamo </a:t>
+            </a:r>
+            <a:r>
+              <a:rPr lang="hr-HR" dirty="0" err="1"/>
+              <a:t>G</a:t>
+            </a:r>
+            <a:r>
+              <a:rPr lang="hr-HR" dirty="0" err="1" smtClean="0"/>
+              <a:t>it</a:t>
+            </a:r>
+            <a:r>
+              <a:rPr lang="hr-HR" dirty="0" smtClean="0"/>
+              <a:t> repozitorij koji se nalazi na </a:t>
+            </a:r>
+            <a:r>
+              <a:rPr lang="hr-HR" dirty="0" err="1" smtClean="0"/>
+              <a:t>Github</a:t>
+            </a:r>
+            <a:r>
+              <a:rPr lang="hr-HR" dirty="0" err="1"/>
+              <a:t>u</a:t>
+            </a:r>
+            <a:endParaRPr lang="hr-HR" dirty="0" smtClean="0"/>
+          </a:p>
+        </p:txBody>
+      </p:sp>
+      <p:pic>
+        <p:nvPicPr>
+          <p:cNvPr id="5" name="Picture 4"/>
+          <p:cNvPicPr>
+            <a:picLocks noChangeAspect="1"/>
+          </p:cNvPicPr>
+          <p:nvPr/>
+        </p:nvPicPr>
+        <p:blipFill>
+          <a:blip r:embed="rId3" cstate="print">
+            <a:extLst>
+              <a:ext uri="{28A0092B-C50C-407E-A947-70E740481C1C}">
+                <a14:useLocalDpi xmlns:a14="http://schemas.microsoft.com/office/drawing/2010/main" val="0"/>
+              </a:ext>
+            </a:extLst>
+          </a:blip>
+          <a:stretch>
+            <a:fillRect/>
+          </a:stretch>
+        </p:blipFill>
+        <p:spPr>
+          <a:xfrm>
+            <a:off x="4191816" y="5102679"/>
+            <a:ext cx="3105967" cy="1296997"/>
+          </a:xfrm>
+          <a:prstGeom prst="rect">
+            <a:avLst/>
+          </a:prstGeom>
+        </p:spPr>
+      </p:pic>
     </p:spTree>
     <p:extLst>
       <p:ext uri="{BB962C8B-B14F-4D97-AF65-F5344CB8AC3E}">
@@ -5813,16 +5724,8 @@
           <a:lstStyle/>
           <a:p>
             <a:r>
-              <a:rPr lang="hr-HR" dirty="0" err="1" smtClean="0"/>
-              <a:t>Promise</a:t>
-            </a:r>
-            <a:r>
-              <a:rPr lang="hr-HR" dirty="0" smtClean="0"/>
-              <a:t> vs </a:t>
-            </a:r>
-            <a:r>
-              <a:rPr lang="hr-HR" dirty="0" err="1" smtClean="0"/>
-              <a:t>Observable</a:t>
+              <a:rPr lang="hr-HR" dirty="0" smtClean="0"/>
+              <a:t>Module</a:t>
             </a:r>
             <a:endParaRPr lang="hr-HR" dirty="0"/>
           </a:p>
@@ -5845,7 +5748,15 @@
           <a:p>
             <a:r>
               <a:rPr lang="hr-HR" dirty="0" err="1" smtClean="0"/>
-              <a:t>Promise</a:t>
+              <a:t>Bootstrap</a:t>
+            </a:r>
+            <a:r>
+              <a:rPr lang="hr-HR" dirty="0" smtClean="0"/>
+              <a:t> </a:t>
+            </a:r>
+            <a:r>
+              <a:rPr lang="hr-HR" dirty="0" err="1" smtClean="0"/>
+              <a:t>array</a:t>
             </a:r>
             <a:endParaRPr lang="hr-HR" dirty="0" smtClean="0"/>
           </a:p>
@@ -5853,75 +5764,37 @@
             <a:pPr lvl="1"/>
             <a:r>
               <a:rPr lang="hr-HR" dirty="0" smtClean="0"/>
-              <a:t>Rješavanje problema </a:t>
-            </a:r>
-            <a:r>
-              <a:rPr lang="hr-HR" dirty="0" err="1" smtClean="0"/>
-              <a:t>error</a:t>
-            </a:r>
-            <a:r>
-              <a:rPr lang="hr-HR" dirty="0" smtClean="0"/>
-              <a:t> </a:t>
-            </a:r>
-            <a:r>
-              <a:rPr lang="hr-HR" dirty="0" err="1" smtClean="0"/>
-              <a:t>handlinga</a:t>
-            </a:r>
-            <a:r>
-              <a:rPr lang="hr-HR" dirty="0" smtClean="0"/>
-              <a:t> prilikom asinkronih poziva</a:t>
-            </a:r>
-          </a:p>
-          <a:p>
-            <a:pPr lvl="1"/>
-            <a:r>
-              <a:rPr lang="hr-HR" dirty="0" smtClean="0"/>
-              <a:t>Može biti u 3 stanja</a:t>
-            </a:r>
-          </a:p>
-          <a:p>
-            <a:pPr lvl="2"/>
-            <a:r>
-              <a:rPr lang="hr-HR" dirty="0" err="1" smtClean="0"/>
-              <a:t>Pending</a:t>
-            </a:r>
-            <a:r>
-              <a:rPr lang="hr-HR" dirty="0" smtClean="0"/>
-              <a:t> – čeka se rezultat</a:t>
-            </a:r>
-          </a:p>
-          <a:p>
-            <a:pPr lvl="2"/>
-            <a:r>
-              <a:rPr lang="hr-HR" dirty="0" err="1" smtClean="0"/>
-              <a:t>Fulfilled</a:t>
-            </a:r>
-            <a:r>
-              <a:rPr lang="hr-HR" dirty="0" smtClean="0"/>
-              <a:t> – uspješno primljen rezultat</a:t>
-            </a:r>
-          </a:p>
-          <a:p>
-            <a:pPr lvl="2"/>
-            <a:r>
-              <a:rPr lang="hr-HR" dirty="0" err="1" smtClean="0"/>
-              <a:t>Rejected</a:t>
-            </a:r>
-            <a:r>
-              <a:rPr lang="hr-HR" dirty="0" smtClean="0"/>
-              <a:t> – dogodila se greška</a:t>
-            </a:r>
-          </a:p>
-          <a:p>
-            <a:pPr lvl="1"/>
-            <a:endParaRPr lang="hr-HR" dirty="0"/>
+              <a:t>Mjesto gdje se deklariraju glavne komponente aplikacije</a:t>
+            </a:r>
+          </a:p>
+          <a:p>
+            <a:pPr lvl="1"/>
+            <a:r>
+              <a:rPr lang="hr-HR" dirty="0" smtClean="0"/>
+              <a:t>Obično postoji samo jedna ulazna </a:t>
+            </a:r>
+            <a:r>
+              <a:rPr lang="hr-HR" dirty="0" err="1" smtClean="0"/>
+              <a:t>bootstrapana</a:t>
+            </a:r>
+            <a:r>
+              <a:rPr lang="hr-HR" dirty="0" smtClean="0"/>
+              <a:t> komponenta</a:t>
+            </a:r>
+          </a:p>
+          <a:p>
+            <a:pPr lvl="1"/>
+            <a:r>
+              <a:rPr lang="hr-HR" dirty="0" smtClean="0"/>
+              <a:t>Slika</a:t>
+            </a:r>
           </a:p>
         </p:txBody>
       </p:sp>
     </p:spTree>
     <p:extLst>
       <p:ext uri="{BB962C8B-B14F-4D97-AF65-F5344CB8AC3E}">
-        <p14:creationId xmlns:p14="http://schemas.microsoft.com/office/powerpoint/2010/main" val="2010710924"/>
+        <p14:creationId xmlns:p14="http://schemas.microsoft.com/office/powerpoint/2010/main" val="2720677148"/>
       </p:ext>
     </p:extLst>
   </p:cSld>
@@ -5965,15 +5838,7 @@
           <a:p>
             <a:r>
               <a:rPr lang="hr-HR" dirty="0" err="1" smtClean="0"/>
-              <a:t>Promise</a:t>
-            </a:r>
-            <a:r>
-              <a:rPr lang="hr-HR" dirty="0" smtClean="0"/>
-              <a:t> vs </a:t>
-            </a:r>
-            <a:r>
-              <a:rPr lang="hr-HR" dirty="0" err="1" smtClean="0"/>
-              <a:t>Observable</a:t>
+              <a:t>Component</a:t>
             </a:r>
             <a:endParaRPr lang="hr-HR" dirty="0"/>
           </a:p>
@@ -5996,7 +5861,7 @@
           <a:p>
             <a:r>
               <a:rPr lang="hr-HR" dirty="0" err="1" smtClean="0"/>
-              <a:t>Promise</a:t>
+              <a:t>Dekoratori</a:t>
             </a:r>
             <a:endParaRPr lang="hr-HR" dirty="0" smtClean="0"/>
           </a:p>
@@ -6004,39 +5869,76 @@
             <a:pPr lvl="1"/>
             <a:r>
               <a:rPr lang="hr-HR" dirty="0" smtClean="0"/>
-              <a:t>Moguće ulančati </a:t>
-            </a:r>
-            <a:r>
-              <a:rPr lang="hr-HR" dirty="0" err="1" smtClean="0"/>
-              <a:t>promise</a:t>
-            </a:r>
-            <a:endParaRPr lang="hr-HR" dirty="0" smtClean="0"/>
-          </a:p>
-          <a:p>
-            <a:pPr lvl="1"/>
-            <a:r>
-              <a:rPr lang="hr-HR" dirty="0" smtClean="0"/>
-              <a:t>U </a:t>
-            </a:r>
-            <a:r>
-              <a:rPr lang="hr-HR" dirty="0" err="1" smtClean="0"/>
-              <a:t>Typescriptu</a:t>
-            </a:r>
-            <a:r>
-              <a:rPr lang="hr-HR" dirty="0" smtClean="0"/>
-              <a:t> - </a:t>
-            </a:r>
-            <a:r>
-              <a:rPr lang="hr-HR" dirty="0" err="1" smtClean="0"/>
-              <a:t>Promise</a:t>
-            </a:r>
-            <a:r>
-              <a:rPr lang="hr-HR" dirty="0" smtClean="0"/>
-              <a:t>&lt;T&gt;</a:t>
-            </a:r>
-          </a:p>
-          <a:p>
-            <a:pPr lvl="1"/>
+              <a:t>Funkcija koja pridodaje </a:t>
+            </a:r>
+            <a:r>
+              <a:rPr lang="hr-HR" dirty="0" err="1" smtClean="0"/>
+              <a:t>metadata</a:t>
+            </a:r>
+            <a:r>
+              <a:rPr lang="hr-HR" dirty="0" smtClean="0"/>
+              <a:t> klasama, funkcijama i argumentima</a:t>
+            </a:r>
+          </a:p>
+          <a:p>
+            <a:pPr lvl="1"/>
+            <a:r>
+              <a:rPr lang="hr-HR" dirty="0" smtClean="0"/>
+              <a:t>Počinje @ znakom i nalazi se ispred deklaracije stvari koju opisuje</a:t>
+            </a:r>
+          </a:p>
+          <a:p>
+            <a:pPr lvl="2"/>
+            <a:r>
+              <a:rPr lang="hr-HR" dirty="0" smtClean="0"/>
+              <a:t>@</a:t>
+            </a:r>
+            <a:r>
+              <a:rPr lang="hr-HR" dirty="0" err="1" smtClean="0"/>
+              <a:t>Component</a:t>
+            </a:r>
+            <a:r>
+              <a:rPr lang="hr-HR" dirty="0" smtClean="0"/>
+              <a:t>()</a:t>
+            </a:r>
+          </a:p>
+          <a:p>
+            <a:pPr lvl="2"/>
+            <a:r>
+              <a:rPr lang="hr-HR" dirty="0" smtClean="0"/>
+              <a:t>@Input()</a:t>
+            </a:r>
+          </a:p>
+          <a:p>
+            <a:pPr lvl="2"/>
+            <a:r>
+              <a:rPr lang="hr-HR" dirty="0" smtClean="0"/>
+              <a:t>@Output()</a:t>
+            </a:r>
+          </a:p>
+          <a:p>
+            <a:pPr lvl="2"/>
+            <a:r>
+              <a:rPr lang="hr-HR" dirty="0" smtClean="0"/>
+              <a:t>@</a:t>
+            </a:r>
+            <a:r>
+              <a:rPr lang="hr-HR" dirty="0" err="1" smtClean="0"/>
+              <a:t>Inject</a:t>
+            </a:r>
+            <a:r>
+              <a:rPr lang="hr-HR" dirty="0" smtClean="0"/>
+              <a:t>()</a:t>
+            </a:r>
+          </a:p>
+          <a:p>
+            <a:pPr lvl="2"/>
+            <a:r>
+              <a:rPr lang="hr-HR" dirty="0" smtClean="0"/>
+              <a:t>…</a:t>
+            </a:r>
+          </a:p>
+          <a:p>
             <a:endParaRPr lang="hr-HR" dirty="0"/>
           </a:p>
         </p:txBody>
@@ -6044,7 +5946,7 @@
     </p:spTree>
     <p:extLst>
       <p:ext uri="{BB962C8B-B14F-4D97-AF65-F5344CB8AC3E}">
-        <p14:creationId xmlns:p14="http://schemas.microsoft.com/office/powerpoint/2010/main" val="2411166031"/>
+        <p14:creationId xmlns:p14="http://schemas.microsoft.com/office/powerpoint/2010/main" val="2752812558"/>
       </p:ext>
     </p:extLst>
   </p:cSld>
@@ -6088,15 +5990,7 @@
           <a:p>
             <a:r>
               <a:rPr lang="hr-HR" dirty="0" err="1" smtClean="0"/>
-              <a:t>Promise</a:t>
-            </a:r>
-            <a:r>
-              <a:rPr lang="hr-HR" dirty="0" smtClean="0"/>
-              <a:t> vs </a:t>
-            </a:r>
-            <a:r>
-              <a:rPr lang="hr-HR" dirty="0" err="1" smtClean="0"/>
-              <a:t>Observable</a:t>
+              <a:t>Component</a:t>
             </a:r>
             <a:endParaRPr lang="hr-HR" dirty="0"/>
           </a:p>
@@ -6114,141 +6008,121 @@
         </p:nvSpPr>
         <p:spPr/>
         <p:txBody>
-          <a:bodyPr/>
-          <a:lstStyle/>
-          <a:p>
-            <a:r>
-              <a:rPr lang="hr-HR" dirty="0" err="1" smtClean="0"/>
-              <a:t>Observable</a:t>
+          <a:bodyPr>
+            <a:normAutofit lnSpcReduction="10000"/>
+          </a:bodyPr>
+          <a:lstStyle/>
+          <a:p>
+            <a:r>
+              <a:rPr lang="hr-HR" dirty="0" smtClean="0"/>
+              <a:t>@</a:t>
+            </a:r>
+            <a:r>
+              <a:rPr lang="hr-HR" dirty="0" err="1" smtClean="0"/>
+              <a:t>Component</a:t>
+            </a:r>
+            <a:r>
+              <a:rPr lang="hr-HR" dirty="0" smtClean="0"/>
+              <a:t>()</a:t>
+            </a:r>
+          </a:p>
+          <a:p>
+            <a:pPr lvl="1"/>
+            <a:r>
+              <a:rPr lang="hr-HR" dirty="0" err="1" smtClean="0"/>
+              <a:t>Selector</a:t>
+            </a:r>
+            <a:r>
+              <a:rPr lang="hr-HR" dirty="0" smtClean="0"/>
+              <a:t>: naziv HTML </a:t>
+            </a:r>
+            <a:r>
+              <a:rPr lang="hr-HR" dirty="0" err="1" smtClean="0"/>
+              <a:t>taga</a:t>
+            </a:r>
+            <a:r>
+              <a:rPr lang="hr-HR" dirty="0" smtClean="0"/>
+              <a:t> u koji se učitava komponenta</a:t>
+            </a:r>
+          </a:p>
+          <a:p>
+            <a:pPr lvl="1"/>
+            <a:r>
+              <a:rPr lang="hr-HR" dirty="0" smtClean="0"/>
+              <a:t>Template: HTML kod komponente</a:t>
+            </a:r>
+          </a:p>
+          <a:p>
+            <a:pPr lvl="1"/>
+            <a:r>
+              <a:rPr lang="hr-HR" dirty="0" err="1" smtClean="0"/>
+              <a:t>TemplateURL</a:t>
+            </a:r>
+            <a:r>
+              <a:rPr lang="hr-HR" dirty="0" smtClean="0"/>
+              <a:t>: HTML kod </a:t>
+            </a:r>
+            <a:r>
+              <a:rPr lang="hr-HR" dirty="0" err="1" smtClean="0"/>
+              <a:t>moponente</a:t>
+            </a:r>
+            <a:r>
+              <a:rPr lang="hr-HR" dirty="0" smtClean="0"/>
+              <a:t> u zasebnoj datoteci</a:t>
+            </a:r>
+          </a:p>
+          <a:p>
+            <a:pPr lvl="1"/>
+            <a:r>
+              <a:rPr lang="hr-HR" dirty="0" err="1" smtClean="0"/>
+              <a:t>Providers</a:t>
+            </a:r>
+            <a:r>
+              <a:rPr lang="hr-HR" dirty="0" smtClean="0"/>
+              <a:t>: DI na razini komponente</a:t>
+            </a:r>
+          </a:p>
+          <a:p>
+            <a:r>
+              <a:rPr lang="hr-HR" dirty="0" err="1" smtClean="0"/>
+              <a:t>Constructor</a:t>
             </a:r>
             <a:endParaRPr lang="hr-HR" dirty="0" smtClean="0"/>
           </a:p>
           <a:p>
             <a:pPr lvl="1"/>
             <a:r>
-              <a:rPr lang="hr-HR" dirty="0" err="1" smtClean="0"/>
-              <a:t>Defaultni</a:t>
-            </a:r>
-            <a:r>
-              <a:rPr lang="hr-HR" dirty="0" smtClean="0"/>
-              <a:t> način za </a:t>
-            </a:r>
-            <a:r>
-              <a:rPr lang="hr-HR" dirty="0" err="1" smtClean="0"/>
-              <a:t>handlanje</a:t>
-            </a:r>
-            <a:r>
-              <a:rPr lang="hr-HR" dirty="0" smtClean="0"/>
-              <a:t> odgovora na http pozive u </a:t>
-            </a:r>
-            <a:r>
-              <a:rPr lang="hr-HR" dirty="0" err="1" smtClean="0"/>
-              <a:t>Angularu</a:t>
+              <a:rPr lang="hr-HR" dirty="0" smtClean="0"/>
+              <a:t>Koristimo za DI i jednostavna pridruživanja </a:t>
+            </a:r>
+            <a:r>
+              <a:rPr lang="hr-HR" dirty="0" err="1" smtClean="0"/>
+              <a:t>propertyja</a:t>
             </a:r>
             <a:endParaRPr lang="hr-HR" dirty="0" smtClean="0"/>
           </a:p>
           <a:p>
-            <a:pPr lvl="1"/>
-            <a:r>
-              <a:rPr lang="hr-HR" dirty="0" smtClean="0"/>
-              <a:t>Nudi mogućnost ignoriranja ili prekidanja rezultata usred asinkronog poziva</a:t>
-            </a:r>
-          </a:p>
-          <a:p>
-            <a:pPr lvl="1"/>
-            <a:r>
-              <a:rPr lang="hr-HR" dirty="0" smtClean="0"/>
-              <a:t>Dio </a:t>
-            </a:r>
-            <a:r>
-              <a:rPr lang="hr-HR" dirty="0" err="1" smtClean="0"/>
-              <a:t>rxjs</a:t>
-            </a:r>
-            <a:r>
-              <a:rPr lang="hr-HR" dirty="0" smtClean="0"/>
-              <a:t> </a:t>
-            </a:r>
-            <a:r>
-              <a:rPr lang="hr-HR" dirty="0" err="1" smtClean="0"/>
-              <a:t>libraryja</a:t>
-            </a:r>
-            <a:r>
-              <a:rPr lang="hr-HR" dirty="0" smtClean="0"/>
-              <a:t> – ekstenzija za </a:t>
-            </a:r>
-            <a:r>
-              <a:rPr lang="hr-HR" dirty="0" err="1" smtClean="0"/>
-              <a:t>React</a:t>
+            <a:r>
+              <a:rPr lang="hr-HR" dirty="0" err="1" smtClean="0"/>
+              <a:t>OnInit</a:t>
             </a:r>
             <a:endParaRPr lang="hr-HR" dirty="0" smtClean="0"/>
           </a:p>
           <a:p>
             <a:pPr lvl="1"/>
             <a:r>
-              <a:rPr lang="hr-HR" dirty="0" err="1" smtClean="0"/>
-              <a:t>Observer</a:t>
-            </a:r>
-            <a:r>
-              <a:rPr lang="hr-HR" dirty="0" smtClean="0"/>
-              <a:t> </a:t>
-            </a:r>
-          </a:p>
-          <a:p>
-            <a:pPr lvl="2"/>
-            <a:r>
-              <a:rPr lang="hr-HR" dirty="0" smtClean="0"/>
-              <a:t>Troši (</a:t>
-            </a:r>
-            <a:r>
-              <a:rPr lang="hr-HR" dirty="0" err="1" smtClean="0"/>
-              <a:t>subscribea</a:t>
-            </a:r>
-            <a:r>
-              <a:rPr lang="hr-HR" dirty="0" smtClean="0"/>
-              <a:t>) </a:t>
-            </a:r>
-            <a:r>
-              <a:rPr lang="hr-HR" dirty="0" err="1" smtClean="0"/>
-              <a:t>Observable</a:t>
-            </a:r>
-            <a:r>
-              <a:rPr lang="hr-HR" dirty="0" smtClean="0"/>
-              <a:t> čime </a:t>
-            </a:r>
-            <a:r>
-              <a:rPr lang="hr-HR" dirty="0" err="1" smtClean="0"/>
-              <a:t>ujedino</a:t>
-            </a:r>
-            <a:r>
-              <a:rPr lang="hr-HR" dirty="0" smtClean="0"/>
-              <a:t> i pokreće logiku </a:t>
-            </a:r>
-            <a:r>
-              <a:rPr lang="hr-HR" dirty="0" err="1" smtClean="0"/>
-              <a:t>Observablea</a:t>
-            </a:r>
-            <a:endParaRPr lang="hr-HR" dirty="0" smtClean="0"/>
-          </a:p>
-          <a:p>
-            <a:pPr lvl="1"/>
-            <a:r>
-              <a:rPr lang="hr-HR" dirty="0" err="1" smtClean="0"/>
-              <a:t>Observable</a:t>
-            </a:r>
-            <a:r>
-              <a:rPr lang="hr-HR" dirty="0" smtClean="0"/>
-              <a:t> </a:t>
-            </a:r>
-          </a:p>
-          <a:p>
-            <a:pPr lvl="2"/>
-            <a:r>
-              <a:rPr lang="hr-HR" dirty="0" smtClean="0"/>
-              <a:t>Odrađuje asinkroni poziv</a:t>
-            </a:r>
-          </a:p>
-          <a:p>
-            <a:pPr lvl="1"/>
+              <a:rPr lang="hr-HR" dirty="0" smtClean="0"/>
+              <a:t>Koristimo za dohvat početnih podataka, kompleksniju logiku potrebnu za početno stanje komponente</a:t>
+            </a:r>
+            <a:endParaRPr lang="hr-HR" dirty="0"/>
+          </a:p>
+          <a:p>
+            <a:r>
+              <a:rPr lang="hr-HR" dirty="0" smtClean="0"/>
+              <a:t>slika</a:t>
+            </a:r>
+          </a:p>
+          <a:p>
             <a:endParaRPr lang="hr-HR" dirty="0"/>
           </a:p>
         </p:txBody>
@@ -6256,7 +6130,7 @@
     </p:spTree>
     <p:extLst>
       <p:ext uri="{BB962C8B-B14F-4D97-AF65-F5344CB8AC3E}">
-        <p14:creationId xmlns:p14="http://schemas.microsoft.com/office/powerpoint/2010/main" val="2209029001"/>
+        <p14:creationId xmlns:p14="http://schemas.microsoft.com/office/powerpoint/2010/main" val="1185261541"/>
       </p:ext>
     </p:extLst>
   </p:cSld>
@@ -6299,16 +6173,8 @@
           <a:lstStyle/>
           <a:p>
             <a:r>
-              <a:rPr lang="hr-HR" dirty="0" err="1" smtClean="0"/>
-              <a:t>Promise</a:t>
-            </a:r>
-            <a:r>
-              <a:rPr lang="hr-HR" dirty="0" smtClean="0"/>
-              <a:t> vs </a:t>
-            </a:r>
-            <a:r>
-              <a:rPr lang="hr-HR" dirty="0" err="1" smtClean="0"/>
-              <a:t>Observable</a:t>
+              <a:rPr lang="hr-HR" dirty="0" smtClean="0"/>
+              <a:t>Service</a:t>
             </a:r>
             <a:endParaRPr lang="hr-HR" dirty="0"/>
           </a:p>
@@ -6330,75 +6196,83 @@
           <a:lstStyle/>
           <a:p>
             <a:r>
-              <a:rPr lang="hr-HR" dirty="0" err="1" smtClean="0"/>
-              <a:t>Observable</a:t>
+              <a:rPr lang="hr-HR" dirty="0" smtClean="0"/>
+              <a:t>@</a:t>
+            </a:r>
+            <a:r>
+              <a:rPr lang="hr-HR" dirty="0" err="1" smtClean="0"/>
+              <a:t>Injectable</a:t>
+            </a:r>
+            <a:r>
+              <a:rPr lang="hr-HR" dirty="0" smtClean="0"/>
+              <a:t>()</a:t>
+            </a:r>
+          </a:p>
+          <a:p>
+            <a:pPr lvl="1"/>
+            <a:r>
+              <a:rPr lang="hr-HR" dirty="0" err="1" smtClean="0"/>
+              <a:t>Dekorator</a:t>
+            </a:r>
+            <a:r>
+              <a:rPr lang="hr-HR" dirty="0" smtClean="0"/>
+              <a:t> koji koristimo da </a:t>
+            </a:r>
+            <a:r>
+              <a:rPr lang="hr-HR" dirty="0" err="1" smtClean="0"/>
+              <a:t>Angular</a:t>
+            </a:r>
+            <a:r>
+              <a:rPr lang="hr-HR" dirty="0" smtClean="0"/>
+              <a:t> shvati klasu kao spremnu za DI</a:t>
+            </a:r>
+          </a:p>
+          <a:p>
+            <a:pPr lvl="1"/>
+            <a:r>
+              <a:rPr lang="hr-HR" dirty="0" smtClean="0"/>
+              <a:t>@</a:t>
+            </a:r>
+            <a:r>
+              <a:rPr lang="hr-HR" dirty="0" err="1" smtClean="0"/>
+              <a:t>Component</a:t>
+            </a:r>
+            <a:r>
+              <a:rPr lang="hr-HR" dirty="0" smtClean="0"/>
+              <a:t>, @</a:t>
+            </a:r>
+            <a:r>
+              <a:rPr lang="hr-HR" dirty="0" err="1" smtClean="0"/>
+              <a:t>Directive</a:t>
+            </a:r>
+            <a:r>
+              <a:rPr lang="hr-HR" dirty="0" smtClean="0"/>
+              <a:t>, @Pipe su </a:t>
+            </a:r>
+            <a:r>
+              <a:rPr lang="hr-HR" dirty="0" err="1" smtClean="0"/>
+              <a:t>subtypeovi</a:t>
+            </a:r>
+            <a:r>
+              <a:rPr lang="hr-HR" dirty="0" smtClean="0"/>
+              <a:t> od @</a:t>
+            </a:r>
+            <a:r>
+              <a:rPr lang="hr-HR" dirty="0" err="1" smtClean="0"/>
+              <a:t>Injectable</a:t>
             </a:r>
             <a:endParaRPr lang="hr-HR" dirty="0" smtClean="0"/>
           </a:p>
           <a:p>
             <a:pPr lvl="1"/>
-            <a:r>
-              <a:rPr lang="hr-HR" dirty="0" err="1" smtClean="0"/>
-              <a:t>onNext</a:t>
-            </a:r>
-            <a:endParaRPr lang="hr-HR" dirty="0"/>
-          </a:p>
-          <a:p>
-            <a:pPr lvl="2"/>
-            <a:r>
-              <a:rPr lang="hr-HR" dirty="0" smtClean="0"/>
-              <a:t>Poziva se prilikom emitiranja svakog </a:t>
-            </a:r>
-            <a:r>
-              <a:rPr lang="hr-HR" dirty="0" err="1" smtClean="0"/>
-              <a:t>itema</a:t>
-            </a:r>
             <a:endParaRPr lang="hr-HR" dirty="0" smtClean="0"/>
-          </a:p>
-          <a:p>
-            <a:pPr lvl="1"/>
-            <a:r>
-              <a:rPr lang="hr-HR" dirty="0" err="1" smtClean="0"/>
-              <a:t>onError</a:t>
-            </a:r>
-            <a:endParaRPr lang="hr-HR" dirty="0" smtClean="0"/>
-          </a:p>
-          <a:p>
-            <a:pPr lvl="2"/>
-            <a:r>
-              <a:rPr lang="hr-HR" dirty="0" smtClean="0"/>
-              <a:t>Poziva se prilikom greške</a:t>
-            </a:r>
-          </a:p>
-          <a:p>
-            <a:pPr lvl="1"/>
-            <a:r>
-              <a:rPr lang="hr-HR" dirty="0" err="1" smtClean="0"/>
-              <a:t>onCompleted</a:t>
-            </a:r>
-            <a:endParaRPr lang="hr-HR" dirty="0" smtClean="0"/>
-          </a:p>
-          <a:p>
-            <a:pPr lvl="2"/>
-            <a:r>
-              <a:rPr lang="hr-HR" dirty="0" smtClean="0"/>
-              <a:t>Poziva se nakon što su odrađeni svi </a:t>
-            </a:r>
-            <a:r>
-              <a:rPr lang="hr-HR" dirty="0" err="1" smtClean="0"/>
-              <a:t>onNext</a:t>
-            </a:r>
-            <a:r>
-              <a:rPr lang="hr-HR" dirty="0" smtClean="0"/>
-              <a:t> pozivi</a:t>
-            </a:r>
           </a:p>
         </p:txBody>
       </p:sp>
     </p:spTree>
     <p:extLst>
       <p:ext uri="{BB962C8B-B14F-4D97-AF65-F5344CB8AC3E}">
-        <p14:creationId xmlns:p14="http://schemas.microsoft.com/office/powerpoint/2010/main" val="937179494"/>
+        <p14:creationId xmlns:p14="http://schemas.microsoft.com/office/powerpoint/2010/main" val="1944832731"/>
       </p:ext>
     </p:extLst>
   </p:cSld>
@@ -6441,16 +6315,8 @@
           <a:lstStyle/>
           <a:p>
             <a:r>
-              <a:rPr lang="hr-HR" dirty="0" err="1" smtClean="0"/>
-              <a:t>Promise</a:t>
-            </a:r>
-            <a:r>
-              <a:rPr lang="hr-HR" dirty="0" smtClean="0"/>
-              <a:t> vs </a:t>
-            </a:r>
-            <a:r>
-              <a:rPr lang="hr-HR" dirty="0" err="1" smtClean="0"/>
-              <a:t>Observable</a:t>
+              <a:rPr lang="hr-HR" dirty="0" smtClean="0"/>
+              <a:t>Service</a:t>
             </a:r>
             <a:endParaRPr lang="hr-HR" dirty="0"/>
           </a:p>
@@ -6472,23 +6338,157 @@
           <a:lstStyle/>
           <a:p>
             <a:r>
-              <a:rPr lang="hr-HR" dirty="0" err="1" smtClean="0"/>
-              <a:t>Observable</a:t>
+              <a:rPr lang="hr-HR" dirty="0" err="1"/>
+              <a:t>Providers</a:t>
             </a:r>
             <a:r>
               <a:rPr lang="hr-HR" dirty="0"/>
               <a:t> </a:t>
             </a:r>
             <a:r>
-              <a:rPr lang="hr-HR" dirty="0" smtClean="0"/>
-              <a:t>– korisne metode:</a:t>
-            </a:r>
-          </a:p>
-          <a:p>
-            <a:pPr lvl="1"/>
-            <a:r>
-              <a:rPr lang="hr-HR" dirty="0" err="1" smtClean="0"/>
-              <a:t>Map</a:t>
+              <a:rPr lang="hr-HR" dirty="0" err="1"/>
+              <a:t>Array</a:t>
+            </a:r>
+            <a:endParaRPr lang="hr-HR" dirty="0"/>
+          </a:p>
+          <a:p>
+            <a:pPr lvl="1"/>
+            <a:r>
+              <a:rPr lang="hr-HR" dirty="0"/>
+              <a:t>Registriramo sve servise koje želimo da se </a:t>
+            </a:r>
+            <a:r>
+              <a:rPr lang="hr-HR" dirty="0" err="1"/>
+              <a:t>injectaju</a:t>
+            </a:r>
+            <a:r>
+              <a:rPr lang="hr-HR" dirty="0"/>
+              <a:t> (na razini aplikacije) u </a:t>
+            </a:r>
+            <a:r>
+              <a:rPr lang="hr-HR" dirty="0" err="1"/>
+              <a:t>app.component.ts</a:t>
+            </a:r>
+            <a:endParaRPr lang="hr-HR" dirty="0"/>
+          </a:p>
+          <a:p>
+            <a:pPr lvl="1"/>
+            <a:r>
+              <a:rPr lang="hr-HR" dirty="0" err="1"/>
+              <a:t>providers</a:t>
+            </a:r>
+            <a:r>
+              <a:rPr lang="hr-HR" dirty="0"/>
+              <a:t>: </a:t>
+            </a:r>
+            <a:r>
+              <a:rPr lang="hr-HR" dirty="0" smtClean="0"/>
+              <a:t>[</a:t>
+            </a:r>
+            <a:r>
+              <a:rPr lang="hr-HR" dirty="0" err="1" smtClean="0"/>
+              <a:t>MyService</a:t>
+            </a:r>
+            <a:r>
+              <a:rPr lang="hr-HR" dirty="0" smtClean="0"/>
+              <a:t>]</a:t>
+            </a:r>
+          </a:p>
+          <a:p>
+            <a:pPr lvl="1"/>
+            <a:r>
+              <a:rPr lang="hr-HR" dirty="0"/>
+              <a:t>[{ provide: </a:t>
+            </a:r>
+            <a:r>
+              <a:rPr lang="hr-HR" dirty="0" err="1"/>
+              <a:t>MyService</a:t>
+            </a:r>
+            <a:r>
+              <a:rPr lang="hr-HR" dirty="0" smtClean="0"/>
+              <a:t>, </a:t>
+            </a:r>
+            <a:r>
+              <a:rPr lang="hr-HR" dirty="0" err="1"/>
+              <a:t>useClass</a:t>
+            </a:r>
+            <a:r>
+              <a:rPr lang="hr-HR" dirty="0"/>
+              <a:t>: </a:t>
+            </a:r>
+            <a:r>
+              <a:rPr lang="hr-HR" dirty="0" err="1"/>
+              <a:t>MyService</a:t>
+            </a:r>
+            <a:r>
+              <a:rPr lang="hr-HR" dirty="0" smtClean="0"/>
+              <a:t>}]</a:t>
+            </a:r>
+          </a:p>
+          <a:p>
+            <a:pPr lvl="1"/>
+            <a:r>
+              <a:rPr lang="hr-HR" dirty="0"/>
+              <a:t>[{ provide: </a:t>
+            </a:r>
+            <a:r>
+              <a:rPr lang="hr-HR" dirty="0" err="1"/>
+              <a:t>MyService</a:t>
+            </a:r>
+            <a:r>
+              <a:rPr lang="hr-HR" dirty="0"/>
+              <a:t>, </a:t>
+            </a:r>
+            <a:r>
+              <a:rPr lang="hr-HR" dirty="0" err="1"/>
+              <a:t>useClass</a:t>
+            </a:r>
+            <a:r>
+              <a:rPr lang="hr-HR" dirty="0"/>
+              <a:t>: </a:t>
+            </a:r>
+            <a:r>
+              <a:rPr lang="hr-HR" dirty="0" err="1" smtClean="0"/>
+              <a:t>MyNewService</a:t>
+            </a:r>
+            <a:r>
+              <a:rPr lang="hr-HR" dirty="0"/>
+              <a:t>}]</a:t>
+            </a:r>
+          </a:p>
+          <a:p>
+            <a:pPr lvl="2"/>
+            <a:r>
+              <a:rPr lang="hr-HR" dirty="0" err="1"/>
+              <a:t>c</a:t>
+            </a:r>
+            <a:r>
+              <a:rPr lang="hr-HR" dirty="0" err="1" smtClean="0"/>
+              <a:t>lass</a:t>
+            </a:r>
+            <a:r>
+              <a:rPr lang="hr-HR" dirty="0" smtClean="0"/>
+              <a:t> </a:t>
+            </a:r>
+            <a:r>
+              <a:rPr lang="hr-HR" dirty="0" err="1" smtClean="0"/>
+              <a:t>MyNewService</a:t>
+            </a:r>
+            <a:r>
+              <a:rPr lang="hr-HR" dirty="0" smtClean="0"/>
+              <a:t> </a:t>
+            </a:r>
+            <a:r>
+              <a:rPr lang="hr-HR" dirty="0" err="1" smtClean="0"/>
+              <a:t>extends</a:t>
+            </a:r>
+            <a:r>
+              <a:rPr lang="hr-HR" dirty="0" smtClean="0"/>
+              <a:t> </a:t>
+            </a:r>
+            <a:r>
+              <a:rPr lang="hr-HR" dirty="0" err="1" smtClean="0"/>
+              <a:t>MyService</a:t>
             </a:r>
             <a:endParaRPr lang="hr-HR" dirty="0" smtClean="0"/>
           </a:p>
@@ -6496,15 +6496,27 @@
             <a:pPr lvl="2"/>
             <a:r>
               <a:rPr lang="hr-HR" dirty="0" smtClean="0"/>
-              <a:t>Transformira rezultat u drugi tip</a:t>
-            </a:r>
+              <a:t>Zamjena klase na aplikacijskoj razini na jednom mjestu</a:t>
+            </a:r>
+          </a:p>
+          <a:p>
+            <a:pPr lvl="1"/>
+            <a:r>
+              <a:rPr lang="hr-HR" dirty="0" smtClean="0"/>
+              <a:t>Korištenje </a:t>
+            </a:r>
+            <a:r>
+              <a:rPr lang="hr-HR" dirty="0" err="1" smtClean="0"/>
+              <a:t>interfacea</a:t>
+            </a:r>
+            <a:endParaRPr lang="hr-HR" dirty="0" smtClean="0"/>
           </a:p>
         </p:txBody>
       </p:sp>
     </p:spTree>
     <p:extLst>
       <p:ext uri="{BB962C8B-B14F-4D97-AF65-F5344CB8AC3E}">
-        <p14:creationId xmlns:p14="http://schemas.microsoft.com/office/powerpoint/2010/main" val="775101924"/>
+        <p14:creationId xmlns:p14="http://schemas.microsoft.com/office/powerpoint/2010/main" val="664441564"/>
       </p:ext>
     </p:extLst>
   </p:cSld>
@@ -6579,46 +6591,83 @@
           <a:p>
             <a:r>
               <a:rPr lang="hr-HR" dirty="0" err="1" smtClean="0"/>
-              <a:t>Observable</a:t>
-            </a:r>
-            <a:r>
-              <a:rPr lang="hr-HR" dirty="0"/>
+              <a:t>Promise</a:t>
+            </a:r>
+            <a:endParaRPr lang="hr-HR" dirty="0" smtClean="0"/>
+          </a:p>
+          <a:p>
+            <a:pPr lvl="1"/>
+            <a:r>
+              <a:rPr lang="hr-HR" dirty="0" smtClean="0"/>
+              <a:t>Rješavanje problema </a:t>
+            </a:r>
+            <a:r>
+              <a:rPr lang="hr-HR" dirty="0" err="1" smtClean="0"/>
+              <a:t>error</a:t>
+            </a:r>
+            <a:r>
+              <a:rPr lang="hr-HR" dirty="0" smtClean="0"/>
               <a:t> </a:t>
             </a:r>
             <a:r>
-              <a:rPr lang="hr-HR" dirty="0" smtClean="0"/>
-              <a:t>– korisne metode:</a:t>
-            </a:r>
-          </a:p>
-          <a:p>
-            <a:pPr lvl="1"/>
-            <a:r>
-              <a:rPr lang="hr-HR" dirty="0" err="1" smtClean="0"/>
-              <a:t>Retry</a:t>
-            </a:r>
-            <a:endParaRPr lang="hr-HR" dirty="0" smtClean="0"/>
+              <a:rPr lang="hr-HR" dirty="0" err="1" smtClean="0"/>
+              <a:t>handlinga</a:t>
+            </a:r>
+            <a:r>
+              <a:rPr lang="hr-HR" dirty="0" smtClean="0"/>
+              <a:t> prilikom asinkronih poziva</a:t>
+            </a:r>
+          </a:p>
+          <a:p>
+            <a:pPr lvl="1"/>
+            <a:r>
+              <a:rPr lang="hr-HR" dirty="0" smtClean="0"/>
+              <a:t>Može biti u 3 stanja</a:t>
+            </a:r>
           </a:p>
           <a:p>
             <a:pPr lvl="2"/>
             <a:r>
-              <a:rPr lang="hr-HR" dirty="0" smtClean="0"/>
-              <a:t>Nakon </a:t>
-            </a:r>
-            <a:r>
-              <a:rPr lang="hr-HR" dirty="0" err="1" smtClean="0"/>
-              <a:t>onError</a:t>
-            </a:r>
-            <a:r>
-              <a:rPr lang="hr-HR" dirty="0" smtClean="0"/>
-              <a:t> ponovno pokušaj odraditi asinkroni poziv</a:t>
-            </a:r>
+              <a:rPr lang="hr-HR" dirty="0" err="1" smtClean="0"/>
+              <a:t>Pending</a:t>
+            </a:r>
+            <a:r>
+              <a:rPr lang="hr-HR" dirty="0" smtClean="0"/>
+              <a:t> – čeka se rezultat</a:t>
+            </a:r>
+          </a:p>
+          <a:p>
+            <a:pPr lvl="2"/>
+            <a:r>
+              <a:rPr lang="hr-HR" dirty="0" err="1" smtClean="0"/>
+              <a:t>Fulfilled</a:t>
+            </a:r>
+            <a:r>
+              <a:rPr lang="hr-HR" dirty="0" smtClean="0"/>
+              <a:t> – uspješno primljen rezultat</a:t>
+            </a:r>
+          </a:p>
+          <a:p>
+            <a:pPr lvl="2"/>
+            <a:r>
+              <a:rPr lang="hr-HR" dirty="0" err="1" smtClean="0"/>
+              <a:t>Rejected</a:t>
+            </a:r>
+            <a:r>
+              <a:rPr lang="hr-HR" dirty="0" smtClean="0"/>
+              <a:t> – dogodila se greška</a:t>
+            </a:r>
+          </a:p>
+          <a:p>
+            <a:pPr lvl="1"/>
+            <a:endParaRPr lang="hr-HR" dirty="0"/>
           </a:p>
         </p:txBody>
       </p:sp>
     </p:spTree>
     <p:extLst>
       <p:ext uri="{BB962C8B-B14F-4D97-AF65-F5344CB8AC3E}">
-        <p14:creationId xmlns:p14="http://schemas.microsoft.com/office/powerpoint/2010/main" val="3014158980"/>
+        <p14:creationId xmlns:p14="http://schemas.microsoft.com/office/powerpoint/2010/main" val="2010710924"/>
       </p:ext>
     </p:extLst>
   </p:cSld>
@@ -6693,53 +6742,55 @@
           <a:p>
             <a:r>
               <a:rPr lang="hr-HR" dirty="0" err="1" smtClean="0"/>
-              <a:t>Observable</a:t>
-            </a:r>
-            <a:r>
-              <a:rPr lang="hr-HR" dirty="0"/>
-              <a:t> </a:t>
-            </a:r>
-            <a:r>
-              <a:rPr lang="hr-HR" dirty="0" smtClean="0"/>
-              <a:t>– korisne metode:</a:t>
-            </a:r>
-          </a:p>
-          <a:p>
-            <a:pPr lvl="1"/>
-            <a:r>
-              <a:rPr lang="hr-HR" dirty="0" err="1" smtClean="0"/>
-              <a:t>Delay</a:t>
+              <a:t>Promise</a:t>
             </a:r>
             <a:endParaRPr lang="hr-HR" dirty="0" smtClean="0"/>
           </a:p>
           <a:p>
-            <a:pPr lvl="2"/>
-            <a:r>
-              <a:rPr lang="hr-HR" dirty="0" smtClean="0"/>
-              <a:t>Odgodi izvršavanje za određeno vrijeme</a:t>
-            </a:r>
-          </a:p>
-          <a:p>
-            <a:pPr lvl="2"/>
-            <a:r>
-              <a:rPr lang="hr-HR" dirty="0" smtClean="0"/>
-              <a:t>Korisno prilikom </a:t>
-            </a:r>
-            <a:r>
-              <a:rPr lang="hr-HR" dirty="0" err="1" smtClean="0"/>
-              <a:t>autocompletea</a:t>
-            </a:r>
-            <a:r>
-              <a:rPr lang="hr-HR" dirty="0" smtClean="0"/>
-              <a:t>, moguće pričekati da korisnik neko vrijeme ne unese ništa novo, a tek zatim okinuti asinkroni poziv</a:t>
-            </a:r>
+            <a:pPr lvl="1"/>
+            <a:r>
+              <a:rPr lang="hr-HR" dirty="0" smtClean="0"/>
+              <a:t>Moguće ulančati </a:t>
+            </a:r>
+            <a:r>
+              <a:rPr lang="hr-HR" dirty="0" err="1" smtClean="0"/>
+              <a:t>promise</a:t>
+            </a:r>
+            <a:endParaRPr lang="hr-HR" dirty="0" smtClean="0"/>
+          </a:p>
+          <a:p>
+            <a:pPr lvl="1"/>
+            <a:r>
+              <a:rPr lang="hr-HR" dirty="0" smtClean="0"/>
+              <a:t>U </a:t>
+            </a:r>
+            <a:r>
+              <a:rPr lang="hr-HR" dirty="0" err="1" smtClean="0"/>
+              <a:t>Typescriptu</a:t>
+            </a:r>
+            <a:r>
+              <a:rPr lang="hr-HR" dirty="0" smtClean="0"/>
+              <a:t> - </a:t>
+            </a:r>
+            <a:r>
+              <a:rPr lang="hr-HR" dirty="0" err="1" smtClean="0"/>
+              <a:t>Promise</a:t>
+            </a:r>
+            <a:r>
+              <a:rPr lang="hr-HR" dirty="0" smtClean="0"/>
+              <a:t>&lt;T&gt;</a:t>
+            </a:r>
+          </a:p>
+          <a:p>
+            <a:pPr lvl="1"/>
+            <a:endParaRPr lang="hr-HR" dirty="0"/>
           </a:p>
         </p:txBody>
       </p:sp>
     </p:spTree>
     <p:extLst>
       <p:ext uri="{BB962C8B-B14F-4D97-AF65-F5344CB8AC3E}">
-        <p14:creationId xmlns:p14="http://schemas.microsoft.com/office/powerpoint/2010/main" val="712669190"/>
+        <p14:creationId xmlns:p14="http://schemas.microsoft.com/office/powerpoint/2010/main" val="2411166031"/>
       </p:ext>
     </p:extLst>
   </p:cSld>
@@ -6816,57 +6867,142 @@
               <a:rPr lang="hr-HR" dirty="0" err="1" smtClean="0"/>
               <a:t>Observable</a:t>
             </a:r>
-            <a:r>
-              <a:rPr lang="hr-HR" dirty="0"/>
+            <a:endParaRPr lang="hr-HR" dirty="0" smtClean="0"/>
+          </a:p>
+          <a:p>
+            <a:pPr lvl="1"/>
+            <a:r>
+              <a:rPr lang="hr-HR" dirty="0" err="1" smtClean="0"/>
+              <a:t>Defaultni</a:t>
+            </a:r>
+            <a:r>
+              <a:rPr lang="hr-HR" dirty="0" smtClean="0"/>
+              <a:t> način za </a:t>
+            </a:r>
+            <a:r>
+              <a:rPr lang="hr-HR" dirty="0" err="1" smtClean="0"/>
+              <a:t>handlanje</a:t>
+            </a:r>
+            <a:r>
+              <a:rPr lang="hr-HR" dirty="0" smtClean="0"/>
+              <a:t> odgovora na http pozive u </a:t>
+            </a:r>
+            <a:r>
+              <a:rPr lang="hr-HR" dirty="0" err="1" smtClean="0"/>
+              <a:t>Angularu</a:t>
+            </a:r>
+            <a:endParaRPr lang="hr-HR" dirty="0" smtClean="0"/>
+          </a:p>
+          <a:p>
+            <a:pPr lvl="1"/>
+            <a:r>
+              <a:rPr lang="hr-HR" dirty="0" smtClean="0"/>
+              <a:t>Nudi mogućnost ignoriranja ili prekidanja rezultata usred asinkronog poziva</a:t>
+            </a:r>
+          </a:p>
+          <a:p>
+            <a:pPr lvl="1"/>
+            <a:r>
+              <a:rPr lang="hr-HR" dirty="0" smtClean="0"/>
+              <a:t>Dio </a:t>
+            </a:r>
+            <a:r>
+              <a:rPr lang="hr-HR" dirty="0" err="1" smtClean="0"/>
+              <a:t>rxjs</a:t>
+            </a:r>
+            <a:r>
+              <a:rPr lang="hr-HR" dirty="0" smtClean="0"/>
               <a:t> </a:t>
             </a:r>
             <a:r>
-              <a:rPr lang="hr-HR" dirty="0" smtClean="0"/>
-              <a:t>– korisne metode:</a:t>
-            </a:r>
-          </a:p>
-          <a:p>
-            <a:pPr lvl="1"/>
-            <a:r>
-              <a:rPr lang="hr-HR" dirty="0" err="1" smtClean="0"/>
-              <a:t>TakeUntil</a:t>
-            </a:r>
-            <a:r>
-              <a:rPr lang="hr-HR" dirty="0" smtClean="0"/>
-              <a:t>/</a:t>
-            </a:r>
-            <a:r>
-              <a:rPr lang="hr-HR" dirty="0" err="1" smtClean="0"/>
-              <a:t>SkipUntil</a:t>
-            </a:r>
+              <a:rPr lang="hr-HR" dirty="0" err="1" smtClean="0"/>
+              <a:t>libraryja</a:t>
+            </a:r>
+            <a:r>
+              <a:rPr lang="hr-HR" dirty="0" smtClean="0"/>
+              <a:t> – ekstenzija za </a:t>
+            </a:r>
+            <a:r>
+              <a:rPr lang="hr-HR" dirty="0" err="1" smtClean="0"/>
+              <a:t>React</a:t>
+            </a:r>
+            <a:endParaRPr lang="hr-HR" dirty="0" smtClean="0"/>
+          </a:p>
+          <a:p>
+            <a:pPr lvl="1"/>
+            <a:r>
+              <a:rPr lang="hr-HR" dirty="0" err="1" smtClean="0"/>
+              <a:t>Observer</a:t>
+            </a:r>
+            <a:r>
+              <a:rPr lang="hr-HR" dirty="0" smtClean="0"/>
+              <a:t> </a:t>
+            </a:r>
+          </a:p>
+          <a:p>
+            <a:pPr lvl="2"/>
+            <a:r>
+              <a:rPr lang="hr-HR" dirty="0" smtClean="0"/>
+              <a:t>Troši (</a:t>
+            </a:r>
+            <a:r>
+              <a:rPr lang="hr-HR" dirty="0" err="1" smtClean="0"/>
+              <a:t>subscribea</a:t>
+            </a:r>
+            <a:r>
+              <a:rPr lang="hr-HR" dirty="0" smtClean="0"/>
+              <a:t>) </a:t>
+            </a:r>
+            <a:r>
+              <a:rPr lang="hr-HR" dirty="0" err="1" smtClean="0"/>
+              <a:t>Observable</a:t>
+            </a:r>
+            <a:r>
+              <a:rPr lang="hr-HR" dirty="0" smtClean="0"/>
+              <a:t> čime </a:t>
+            </a:r>
+            <a:r>
+              <a:rPr lang="hr-HR" dirty="0" err="1" smtClean="0"/>
+              <a:t>ujedino</a:t>
+            </a:r>
+            <a:r>
+              <a:rPr lang="hr-HR" dirty="0" smtClean="0"/>
+              <a:t> i pokreće logiku </a:t>
+            </a:r>
+            <a:r>
+              <a:rPr lang="hr-HR" dirty="0" err="1" smtClean="0"/>
+              <a:t>Observablea</a:t>
+            </a:r>
+            <a:endParaRPr lang="hr-HR" dirty="0" smtClean="0"/>
+          </a:p>
+          <a:p>
+            <a:pPr lvl="1"/>
+            <a:r>
+              <a:rPr lang="hr-HR" dirty="0" err="1" smtClean="0"/>
+              <a:t>Observable</a:t>
+            </a:r>
+            <a:r>
+              <a:rPr lang="hr-HR" dirty="0" smtClean="0"/>
+              <a:t> </a:t>
+            </a:r>
+          </a:p>
+          <a:p>
+            <a:pPr lvl="2"/>
+            <a:r>
+              <a:rPr lang="hr-HR" dirty="0" smtClean="0"/>
+              <a:t>Odrađuje asinkroni poziv</a:t>
+            </a:r>
+          </a:p>
+          <a:p>
+            <a:pPr lvl="1"/>
             <a:endParaRPr lang="hr-HR" dirty="0"/>
-          </a:p>
-          <a:p>
-            <a:pPr lvl="2"/>
-            <a:r>
-              <a:rPr lang="hr-HR" dirty="0" smtClean="0"/>
-              <a:t>Prekini ili ignoriraj </a:t>
-            </a:r>
-            <a:r>
-              <a:rPr lang="hr-HR" dirty="0" err="1" smtClean="0"/>
-              <a:t>observable</a:t>
-            </a:r>
-            <a:r>
-              <a:rPr lang="hr-HR" dirty="0" smtClean="0"/>
-              <a:t> ovisno o rezultatu drugog </a:t>
-            </a:r>
-            <a:r>
-              <a:rPr lang="hr-HR" dirty="0" err="1" smtClean="0"/>
-              <a:t>observablea</a:t>
-            </a:r>
-            <a:endParaRPr lang="hr-HR" dirty="0" smtClean="0"/>
           </a:p>
         </p:txBody>
       </p:sp>
     </p:spTree>
     <p:extLst>
       <p:ext uri="{BB962C8B-B14F-4D97-AF65-F5344CB8AC3E}">
-        <p14:creationId xmlns:p14="http://schemas.microsoft.com/office/powerpoint/2010/main" val="904600160"/>
+        <p14:creationId xmlns:p14="http://schemas.microsoft.com/office/powerpoint/2010/main" val="2209029001"/>
       </p:ext>
     </p:extLst>
   </p:cSld>
@@ -6943,28 +7079,13 @@
               <a:rPr lang="hr-HR" dirty="0" err="1" smtClean="0"/>
               <a:t>Observable</a:t>
             </a:r>
-            <a:r>
-              <a:rPr lang="hr-HR" dirty="0"/>
-              <a:t> </a:t>
-            </a:r>
-            <a:r>
-              <a:rPr lang="hr-HR" dirty="0" smtClean="0"/>
-              <a:t>– korisne metode:</a:t>
-            </a:r>
-          </a:p>
-          <a:p>
-            <a:pPr lvl="1"/>
-            <a:r>
-              <a:rPr lang="hr-HR" dirty="0" err="1"/>
-              <a:t>TakeWhile</a:t>
-            </a:r>
-            <a:r>
-              <a:rPr lang="hr-HR" dirty="0"/>
-              <a:t>/</a:t>
-            </a:r>
-            <a:r>
-              <a:rPr lang="hr-HR" dirty="0" err="1"/>
-              <a:t>SkipWhile</a:t>
+            <a:endParaRPr lang="hr-HR" dirty="0" smtClean="0"/>
+          </a:p>
+          <a:p>
+            <a:pPr lvl="1"/>
+            <a:r>
+              <a:rPr lang="hr-HR" dirty="0" err="1" smtClean="0"/>
+              <a:t>onNext</a:t>
             </a:r>
             <a:endParaRPr lang="hr-HR" dirty="0"/>
           </a:p>
@@ -6972,23 +7093,50 @@
             <a:pPr lvl="2"/>
             <a:r>
               <a:rPr lang="hr-HR" dirty="0" smtClean="0"/>
-              <a:t>Prekini ili ignoriraj </a:t>
-            </a:r>
-            <a:r>
-              <a:rPr lang="hr-HR" dirty="0" err="1" smtClean="0"/>
-              <a:t>observable</a:t>
-            </a:r>
-            <a:r>
-              <a:rPr lang="hr-HR" dirty="0" smtClean="0"/>
-              <a:t> ovisno o nekom </a:t>
-            </a:r>
-            <a:r>
-              <a:rPr lang="hr-HR" dirty="0" err="1" smtClean="0"/>
-              <a:t>boolean</a:t>
-            </a:r>
-            <a:r>
-              <a:rPr lang="hr-HR" dirty="0" smtClean="0"/>
-              <a:t> uvjetu</a:t>
+              <a:t>Poziva se prilikom emitiranja svakog </a:t>
+            </a:r>
+            <a:r>
+              <a:rPr lang="hr-HR" dirty="0" err="1" smtClean="0"/>
+              <a:t>itema</a:t>
+            </a:r>
+            <a:endParaRPr lang="hr-HR" dirty="0" smtClean="0"/>
+          </a:p>
+          <a:p>
+            <a:pPr lvl="1"/>
+            <a:r>
+              <a:rPr lang="hr-HR" dirty="0" err="1" smtClean="0"/>
+              <a:t>onError</a:t>
+            </a:r>
+            <a:endParaRPr lang="hr-HR" dirty="0" smtClean="0"/>
+          </a:p>
+          <a:p>
+            <a:pPr lvl="2"/>
+            <a:r>
+              <a:rPr lang="hr-HR" dirty="0" smtClean="0"/>
+              <a:t>Poziva se prilikom greške</a:t>
+            </a:r>
+          </a:p>
+          <a:p>
+            <a:pPr lvl="1"/>
+            <a:r>
+              <a:rPr lang="hr-HR" dirty="0" err="1" smtClean="0"/>
+              <a:t>onCompleted</a:t>
+            </a:r>
+            <a:endParaRPr lang="hr-HR" dirty="0" smtClean="0"/>
+          </a:p>
+          <a:p>
+            <a:pPr lvl="2"/>
+            <a:r>
+              <a:rPr lang="hr-HR" dirty="0" smtClean="0"/>
+              <a:t>Poziva se nakon što su odrađeni svi </a:t>
+            </a:r>
+            <a:r>
+              <a:rPr lang="hr-HR" dirty="0" err="1" smtClean="0"/>
+              <a:t>onNext</a:t>
+            </a:r>
+            <a:r>
+              <a:rPr lang="hr-HR" dirty="0" smtClean="0"/>
+              <a:t> pozivi</a:t>
             </a:r>
           </a:p>
         </p:txBody>
@@ -6996,7 +7144,113 @@
     </p:spTree>
     <p:extLst>
       <p:ext uri="{BB962C8B-B14F-4D97-AF65-F5344CB8AC3E}">
-        <p14:creationId xmlns:p14="http://schemas.microsoft.com/office/powerpoint/2010/main" val="3133517247"/>
+        <p14:creationId xmlns:p14="http://schemas.microsoft.com/office/powerpoint/2010/main" val="937179494"/>
+      </p:ext>
+    </p:extLst>
+  </p:cSld>
+  <p:clrMapOvr>
+    <a:masterClrMapping/>
+  </p:clrMapOvr>
+</p:sld>
+</file>
+
+<file path=ppt/slides/slide39.xml><?xml version="1.0" encoding="utf-8"?>
+<p:sld xmlns:a="http://schemas.openxmlformats.org/drawingml/2006/main" xmlns:r="http://schemas.openxmlformats.org/officeDocument/2006/relationships" xmlns:p="http://schemas.openxmlformats.org/presentationml/2006/main">
+  <p:cSld>
+    <p:spTree>
+      <p:nvGrpSpPr>
+        <p:cNvPr id="1" name=""/>
+        <p:cNvGrpSpPr/>
+        <p:nvPr/>
+      </p:nvGrpSpPr>
+      <p:grpSpPr>
+        <a:xfrm>
+          <a:off x="0" y="0"/>
+          <a:ext cx="0" cy="0"/>
+          <a:chOff x="0" y="0"/>
+          <a:chExt cx="0" cy="0"/>
+        </a:xfrm>
+      </p:grpSpPr>
+      <p:sp>
+        <p:nvSpPr>
+          <p:cNvPr id="2" name="Title 1"/>
+          <p:cNvSpPr>
+            <a:spLocks noGrp="1"/>
+          </p:cNvSpPr>
+          <p:nvPr>
+            <p:ph type="title"/>
+          </p:nvPr>
+        </p:nvSpPr>
+        <p:spPr/>
+        <p:txBody>
+          <a:bodyPr/>
+          <a:lstStyle/>
+          <a:p>
+            <a:r>
+              <a:rPr lang="hr-HR" dirty="0" err="1" smtClean="0"/>
+              <a:t>Promise</a:t>
+            </a:r>
+            <a:r>
+              <a:rPr lang="hr-HR" dirty="0" smtClean="0"/>
+              <a:t> vs </a:t>
+            </a:r>
+            <a:r>
+              <a:rPr lang="hr-HR" dirty="0" err="1" smtClean="0"/>
+              <a:t>Observable</a:t>
+            </a:r>
+            <a:endParaRPr lang="hr-HR" dirty="0"/>
+          </a:p>
+        </p:txBody>
+      </p:sp>
+      <p:sp>
+        <p:nvSpPr>
+          <p:cNvPr id="3" name="Content Placeholder 2"/>
+          <p:cNvSpPr>
+            <a:spLocks noGrp="1"/>
+          </p:cNvSpPr>
+          <p:nvPr>
+            <p:ph idx="1"/>
+          </p:nvPr>
+        </p:nvSpPr>
+        <p:spPr/>
+        <p:txBody>
+          <a:bodyPr/>
+          <a:lstStyle/>
+          <a:p>
+            <a:r>
+              <a:rPr lang="hr-HR" dirty="0" err="1" smtClean="0"/>
+              <a:t>Observable</a:t>
+            </a:r>
+            <a:r>
+              <a:rPr lang="hr-HR" dirty="0"/>
+              <a:t> </a:t>
+            </a:r>
+            <a:r>
+              <a:rPr lang="hr-HR" dirty="0" smtClean="0"/>
+              <a:t>– korisne metode:</a:t>
+            </a:r>
+          </a:p>
+          <a:p>
+            <a:pPr lvl="1"/>
+            <a:r>
+              <a:rPr lang="hr-HR" dirty="0" err="1" smtClean="0"/>
+              <a:t>Map</a:t>
+            </a:r>
+            <a:endParaRPr lang="hr-HR" dirty="0" smtClean="0"/>
+          </a:p>
+          <a:p>
+            <a:pPr lvl="2"/>
+            <a:r>
+              <a:rPr lang="hr-HR" dirty="0" smtClean="0"/>
+              <a:t>Transformira rezultat u drugi tip</a:t>
+            </a:r>
+          </a:p>
+        </p:txBody>
+      </p:sp>
+    </p:spTree>
+    <p:extLst>
+      <p:ext uri="{BB962C8B-B14F-4D97-AF65-F5344CB8AC3E}">
+        <p14:creationId xmlns:p14="http://schemas.microsoft.com/office/powerpoint/2010/main" val="775101924"/>
       </p:ext>
     </p:extLst>
   </p:cSld>
@@ -7040,7 +7294,23 @@
           <a:p>
             <a:r>
               <a:rPr lang="hr-HR" dirty="0" smtClean="0"/>
-              <a:t>Konfiguracijske datoteke</a:t>
+              <a:t>Pokretanje </a:t>
+            </a:r>
+            <a:r>
+              <a:rPr lang="hr-HR" dirty="0" err="1" smtClean="0"/>
+              <a:t>quickstart</a:t>
+            </a:r>
+            <a:r>
+              <a:rPr lang="hr-HR" dirty="0" smtClean="0"/>
+              <a:t> </a:t>
+            </a:r>
+            <a:r>
+              <a:rPr lang="hr-HR" dirty="0" err="1" smtClean="0"/>
+              <a:t>Angular</a:t>
+            </a:r>
+            <a:r>
+              <a:rPr lang="hr-HR" dirty="0" smtClean="0"/>
+              <a:t> projekta</a:t>
             </a:r>
             <a:endParaRPr lang="hr-HR" dirty="0"/>
           </a:p>
@@ -7061,14 +7331,671 @@
           <a:bodyPr/>
           <a:lstStyle/>
           <a:p>
-            <a:endParaRPr lang="hr-HR" dirty="0"/>
+            <a:r>
+              <a:rPr lang="hr-HR" dirty="0" smtClean="0"/>
+              <a:t>Kroz </a:t>
+            </a:r>
+            <a:r>
+              <a:rPr lang="hr-HR" dirty="0" err="1" smtClean="0"/>
+              <a:t>command</a:t>
+            </a:r>
+            <a:r>
+              <a:rPr lang="hr-HR" dirty="0" smtClean="0"/>
+              <a:t> </a:t>
+            </a:r>
+            <a:r>
+              <a:rPr lang="hr-HR" dirty="0" err="1" smtClean="0"/>
+              <a:t>prompt</a:t>
+            </a:r>
+            <a:r>
+              <a:rPr lang="hr-HR" dirty="0" smtClean="0"/>
+              <a:t> </a:t>
+            </a:r>
+            <a:r>
+              <a:rPr lang="hr-HR" dirty="0" err="1" smtClean="0"/>
+              <a:t>navigiramo</a:t>
+            </a:r>
+            <a:r>
+              <a:rPr lang="hr-HR" dirty="0" smtClean="0"/>
+              <a:t> u novo kreirani </a:t>
+            </a:r>
+            <a:r>
+              <a:rPr lang="hr-HR" dirty="0" err="1" smtClean="0"/>
+              <a:t>quickstart</a:t>
+            </a:r>
+            <a:r>
+              <a:rPr lang="hr-HR" dirty="0" smtClean="0"/>
+              <a:t> folder i napišemo:</a:t>
+            </a:r>
+          </a:p>
+          <a:p>
+            <a:pPr lvl="1"/>
+            <a:r>
+              <a:rPr lang="hr-HR" dirty="0" err="1"/>
+              <a:t>n</a:t>
+            </a:r>
+            <a:r>
+              <a:rPr lang="hr-HR" dirty="0" err="1" smtClean="0"/>
+              <a:t>pm</a:t>
+            </a:r>
+            <a:r>
+              <a:rPr lang="hr-HR" dirty="0" smtClean="0"/>
+              <a:t> </a:t>
+            </a:r>
+            <a:r>
+              <a:rPr lang="hr-HR" dirty="0" err="1" smtClean="0"/>
+              <a:t>install</a:t>
+            </a:r>
+            <a:endParaRPr lang="hr-HR" dirty="0" smtClean="0"/>
+          </a:p>
+          <a:p>
+            <a:pPr lvl="1"/>
+            <a:r>
+              <a:rPr lang="hr-HR" dirty="0" smtClean="0"/>
+              <a:t>Ovom naredbom preuzimamo sve </a:t>
+            </a:r>
+            <a:r>
+              <a:rPr lang="hr-HR" dirty="0" err="1" smtClean="0"/>
+              <a:t>npm</a:t>
+            </a:r>
+            <a:r>
+              <a:rPr lang="hr-HR" dirty="0" smtClean="0"/>
+              <a:t> pakete (</a:t>
+            </a:r>
+            <a:r>
+              <a:rPr lang="hr-HR" dirty="0" err="1" smtClean="0"/>
+              <a:t>dependencies</a:t>
+            </a:r>
+            <a:r>
+              <a:rPr lang="hr-HR" dirty="0" smtClean="0"/>
+              <a:t>) definirane kao potrebne u </a:t>
+            </a:r>
+            <a:r>
+              <a:rPr lang="hr-HR" dirty="0" err="1" smtClean="0"/>
+              <a:t>quickstart</a:t>
+            </a:r>
+            <a:r>
+              <a:rPr lang="hr-HR" dirty="0" smtClean="0"/>
+              <a:t> projektu</a:t>
+            </a:r>
+          </a:p>
+          <a:p>
+            <a:r>
+              <a:rPr lang="hr-HR" dirty="0" smtClean="0"/>
+              <a:t>Zatim upišemo u </a:t>
+            </a:r>
+            <a:r>
+              <a:rPr lang="hr-HR" dirty="0" err="1" smtClean="0"/>
+              <a:t>command</a:t>
+            </a:r>
+            <a:r>
+              <a:rPr lang="hr-HR" dirty="0" smtClean="0"/>
+              <a:t> </a:t>
+            </a:r>
+            <a:r>
+              <a:rPr lang="hr-HR" dirty="0" err="1" smtClean="0"/>
+              <a:t>prompt</a:t>
+            </a:r>
+            <a:r>
+              <a:rPr lang="hr-HR" dirty="0" smtClean="0"/>
+              <a:t>:</a:t>
+            </a:r>
+          </a:p>
+          <a:p>
+            <a:pPr lvl="1"/>
+            <a:r>
+              <a:rPr lang="hr-HR" dirty="0" err="1"/>
+              <a:t>c</a:t>
+            </a:r>
+            <a:r>
+              <a:rPr lang="hr-HR" dirty="0" err="1" smtClean="0"/>
+              <a:t>ode</a:t>
+            </a:r>
+            <a:r>
+              <a:rPr lang="hr-HR" dirty="0" smtClean="0"/>
+              <a:t> .</a:t>
+            </a:r>
+          </a:p>
+          <a:p>
+            <a:pPr lvl="1"/>
+            <a:r>
+              <a:rPr lang="hr-HR" dirty="0" smtClean="0"/>
+              <a:t>Ovom naredbom otvaramo VS </a:t>
+            </a:r>
+            <a:r>
+              <a:rPr lang="hr-HR" dirty="0" err="1" smtClean="0"/>
+              <a:t>Code</a:t>
+            </a:r>
+            <a:r>
+              <a:rPr lang="hr-HR" dirty="0" smtClean="0"/>
+              <a:t> u folderu u kojem se nalazimo</a:t>
+            </a:r>
+          </a:p>
+          <a:p>
+            <a:pPr lvl="1"/>
+            <a:r>
+              <a:rPr lang="hr-HR" dirty="0" smtClean="0"/>
+              <a:t>Isto smo mogli postići desnim klikom na folder i odabirom opcije „Open </a:t>
+            </a:r>
+            <a:r>
+              <a:rPr lang="hr-HR" dirty="0" err="1" smtClean="0"/>
+              <a:t>with</a:t>
+            </a:r>
+            <a:r>
+              <a:rPr lang="hr-HR" dirty="0" smtClean="0"/>
+              <a:t> </a:t>
+            </a:r>
+            <a:r>
+              <a:rPr lang="hr-HR" dirty="0" err="1" smtClean="0"/>
+              <a:t>Code</a:t>
+            </a:r>
+            <a:r>
+              <a:rPr lang="hr-HR" dirty="0" smtClean="0"/>
+              <a:t>”</a:t>
+            </a:r>
+          </a:p>
+          <a:p>
+            <a:pPr lvl="1"/>
+            <a:endParaRPr lang="hr-HR" dirty="0" smtClean="0"/>
           </a:p>
         </p:txBody>
       </p:sp>
     </p:spTree>
     <p:extLst>
       <p:ext uri="{BB962C8B-B14F-4D97-AF65-F5344CB8AC3E}">
-        <p14:creationId xmlns:p14="http://schemas.microsoft.com/office/powerpoint/2010/main" val="2642576800"/>
+        <p14:creationId xmlns:p14="http://schemas.microsoft.com/office/powerpoint/2010/main" val="2150246765"/>
+      </p:ext>
+    </p:extLst>
+  </p:cSld>
+  <p:clrMapOvr>
+    <a:masterClrMapping/>
+  </p:clrMapOvr>
+</p:sld>
+</file>
+
+<file path=ppt/slides/slide40.xml><?xml version="1.0" encoding="utf-8"?>
+<p:sld xmlns:a="http://schemas.openxmlformats.org/drawingml/2006/main" xmlns:r="http://schemas.openxmlformats.org/officeDocument/2006/relationships" xmlns:p="http://schemas.openxmlformats.org/presentationml/2006/main">
+  <p:cSld>
+    <p:spTree>
+      <p:nvGrpSpPr>
+        <p:cNvPr id="1" name=""/>
+        <p:cNvGrpSpPr/>
+        <p:nvPr/>
+      </p:nvGrpSpPr>
+      <p:grpSpPr>
+        <a:xfrm>
+          <a:off x="0" y="0"/>
+          <a:ext cx="0" cy="0"/>
+          <a:chOff x="0" y="0"/>
+          <a:chExt cx="0" cy="0"/>
+        </a:xfrm>
+      </p:grpSpPr>
+      <p:sp>
+        <p:nvSpPr>
+          <p:cNvPr id="2" name="Title 1"/>
+          <p:cNvSpPr>
+            <a:spLocks noGrp="1"/>
+          </p:cNvSpPr>
+          <p:nvPr>
+            <p:ph type="title"/>
+          </p:nvPr>
+        </p:nvSpPr>
+        <p:spPr/>
+        <p:txBody>
+          <a:bodyPr/>
+          <a:lstStyle/>
+          <a:p>
+            <a:r>
+              <a:rPr lang="hr-HR" dirty="0" err="1" smtClean="0"/>
+              <a:t>Promise</a:t>
+            </a:r>
+            <a:r>
+              <a:rPr lang="hr-HR" dirty="0" smtClean="0"/>
+              <a:t> vs </a:t>
+            </a:r>
+            <a:r>
+              <a:rPr lang="hr-HR" dirty="0" err="1" smtClean="0"/>
+              <a:t>Observable</a:t>
+            </a:r>
+            <a:endParaRPr lang="hr-HR" dirty="0"/>
+          </a:p>
+        </p:txBody>
+      </p:sp>
+      <p:sp>
+        <p:nvSpPr>
+          <p:cNvPr id="3" name="Content Placeholder 2"/>
+          <p:cNvSpPr>
+            <a:spLocks noGrp="1"/>
+          </p:cNvSpPr>
+          <p:nvPr>
+            <p:ph idx="1"/>
+          </p:nvPr>
+        </p:nvSpPr>
+        <p:spPr/>
+        <p:txBody>
+          <a:bodyPr/>
+          <a:lstStyle/>
+          <a:p>
+            <a:r>
+              <a:rPr lang="hr-HR" dirty="0" err="1" smtClean="0"/>
+              <a:t>Observable</a:t>
+            </a:r>
+            <a:r>
+              <a:rPr lang="hr-HR" dirty="0"/>
+              <a:t> </a:t>
+            </a:r>
+            <a:r>
+              <a:rPr lang="hr-HR" dirty="0" smtClean="0"/>
+              <a:t>– korisne metode:</a:t>
+            </a:r>
+          </a:p>
+          <a:p>
+            <a:pPr lvl="1"/>
+            <a:r>
+              <a:rPr lang="hr-HR" dirty="0" err="1" smtClean="0"/>
+              <a:t>Retry</a:t>
+            </a:r>
+            <a:endParaRPr lang="hr-HR" dirty="0" smtClean="0"/>
+          </a:p>
+          <a:p>
+            <a:pPr lvl="2"/>
+            <a:r>
+              <a:rPr lang="hr-HR" dirty="0" smtClean="0"/>
+              <a:t>Nakon </a:t>
+            </a:r>
+            <a:r>
+              <a:rPr lang="hr-HR" dirty="0" err="1" smtClean="0"/>
+              <a:t>onError</a:t>
+            </a:r>
+            <a:r>
+              <a:rPr lang="hr-HR" dirty="0" smtClean="0"/>
+              <a:t> ponovno pokušaj odraditi asinkroni poziv</a:t>
+            </a:r>
+          </a:p>
+        </p:txBody>
+      </p:sp>
+    </p:spTree>
+    <p:extLst>
+      <p:ext uri="{BB962C8B-B14F-4D97-AF65-F5344CB8AC3E}">
+        <p14:creationId xmlns:p14="http://schemas.microsoft.com/office/powerpoint/2010/main" val="3014158980"/>
+      </p:ext>
+    </p:extLst>
+  </p:cSld>
+  <p:clrMapOvr>
+    <a:masterClrMapping/>
+  </p:clrMapOvr>
+</p:sld>
+</file>
+
+<file path=ppt/slides/slide41.xml><?xml version="1.0" encoding="utf-8"?>
+<p:sld xmlns:a="http://schemas.openxmlformats.org/drawingml/2006/main" xmlns:r="http://schemas.openxmlformats.org/officeDocument/2006/relationships" xmlns:p="http://schemas.openxmlformats.org/presentationml/2006/main">
+  <p:cSld>
+    <p:spTree>
+      <p:nvGrpSpPr>
+        <p:cNvPr id="1" name=""/>
+        <p:cNvGrpSpPr/>
+        <p:nvPr/>
+      </p:nvGrpSpPr>
+      <p:grpSpPr>
+        <a:xfrm>
+          <a:off x="0" y="0"/>
+          <a:ext cx="0" cy="0"/>
+          <a:chOff x="0" y="0"/>
+          <a:chExt cx="0" cy="0"/>
+        </a:xfrm>
+      </p:grpSpPr>
+      <p:sp>
+        <p:nvSpPr>
+          <p:cNvPr id="2" name="Title 1"/>
+          <p:cNvSpPr>
+            <a:spLocks noGrp="1"/>
+          </p:cNvSpPr>
+          <p:nvPr>
+            <p:ph type="title"/>
+          </p:nvPr>
+        </p:nvSpPr>
+        <p:spPr/>
+        <p:txBody>
+          <a:bodyPr/>
+          <a:lstStyle/>
+          <a:p>
+            <a:r>
+              <a:rPr lang="hr-HR" dirty="0" err="1" smtClean="0"/>
+              <a:t>Promise</a:t>
+            </a:r>
+            <a:r>
+              <a:rPr lang="hr-HR" dirty="0" smtClean="0"/>
+              <a:t> vs </a:t>
+            </a:r>
+            <a:r>
+              <a:rPr lang="hr-HR" dirty="0" err="1" smtClean="0"/>
+              <a:t>Observable</a:t>
+            </a:r>
+            <a:endParaRPr lang="hr-HR" dirty="0"/>
+          </a:p>
+        </p:txBody>
+      </p:sp>
+      <p:sp>
+        <p:nvSpPr>
+          <p:cNvPr id="3" name="Content Placeholder 2"/>
+          <p:cNvSpPr>
+            <a:spLocks noGrp="1"/>
+          </p:cNvSpPr>
+          <p:nvPr>
+            <p:ph idx="1"/>
+          </p:nvPr>
+        </p:nvSpPr>
+        <p:spPr/>
+        <p:txBody>
+          <a:bodyPr/>
+          <a:lstStyle/>
+          <a:p>
+            <a:r>
+              <a:rPr lang="hr-HR" dirty="0" err="1" smtClean="0"/>
+              <a:t>Observable</a:t>
+            </a:r>
+            <a:r>
+              <a:rPr lang="hr-HR" dirty="0"/>
+              <a:t> </a:t>
+            </a:r>
+            <a:r>
+              <a:rPr lang="hr-HR" dirty="0" smtClean="0"/>
+              <a:t>– korisne metode:</a:t>
+            </a:r>
+          </a:p>
+          <a:p>
+            <a:pPr lvl="1"/>
+            <a:r>
+              <a:rPr lang="hr-HR" dirty="0" err="1" smtClean="0"/>
+              <a:t>Delay</a:t>
+            </a:r>
+            <a:endParaRPr lang="hr-HR" dirty="0" smtClean="0"/>
+          </a:p>
+          <a:p>
+            <a:pPr lvl="2"/>
+            <a:r>
+              <a:rPr lang="hr-HR" dirty="0" smtClean="0"/>
+              <a:t>Odgodi izvršavanje za određeno vrijeme</a:t>
+            </a:r>
+          </a:p>
+          <a:p>
+            <a:pPr lvl="2"/>
+            <a:r>
+              <a:rPr lang="hr-HR" dirty="0" smtClean="0"/>
+              <a:t>Korisno prilikom </a:t>
+            </a:r>
+            <a:r>
+              <a:rPr lang="hr-HR" dirty="0" err="1" smtClean="0"/>
+              <a:t>autocompletea</a:t>
+            </a:r>
+            <a:r>
+              <a:rPr lang="hr-HR" dirty="0" smtClean="0"/>
+              <a:t>, moguće pričekati da korisnik neko vrijeme ne unese ništa novo, a tek zatim okinuti asinkroni poziv</a:t>
+            </a:r>
+          </a:p>
+        </p:txBody>
+      </p:sp>
+    </p:spTree>
+    <p:extLst>
+      <p:ext uri="{BB962C8B-B14F-4D97-AF65-F5344CB8AC3E}">
+        <p14:creationId xmlns:p14="http://schemas.microsoft.com/office/powerpoint/2010/main" val="712669190"/>
+      </p:ext>
+    </p:extLst>
+  </p:cSld>
+  <p:clrMapOvr>
+    <a:masterClrMapping/>
+  </p:clrMapOvr>
+</p:sld>
+</file>
+
+<file path=ppt/slides/slide42.xml><?xml version="1.0" encoding="utf-8"?>
+<p:sld xmlns:a="http://schemas.openxmlformats.org/drawingml/2006/main" xmlns:r="http://schemas.openxmlformats.org/officeDocument/2006/relationships" xmlns:p="http://schemas.openxmlformats.org/presentationml/2006/main">
+  <p:cSld>
+    <p:spTree>
+      <p:nvGrpSpPr>
+        <p:cNvPr id="1" name=""/>
+        <p:cNvGrpSpPr/>
+        <p:nvPr/>
+      </p:nvGrpSpPr>
+      <p:grpSpPr>
+        <a:xfrm>
+          <a:off x="0" y="0"/>
+          <a:ext cx="0" cy="0"/>
+          <a:chOff x="0" y="0"/>
+          <a:chExt cx="0" cy="0"/>
+        </a:xfrm>
+      </p:grpSpPr>
+      <p:sp>
+        <p:nvSpPr>
+          <p:cNvPr id="2" name="Title 1"/>
+          <p:cNvSpPr>
+            <a:spLocks noGrp="1"/>
+          </p:cNvSpPr>
+          <p:nvPr>
+            <p:ph type="title"/>
+          </p:nvPr>
+        </p:nvSpPr>
+        <p:spPr/>
+        <p:txBody>
+          <a:bodyPr/>
+          <a:lstStyle/>
+          <a:p>
+            <a:r>
+              <a:rPr lang="hr-HR" dirty="0" err="1" smtClean="0"/>
+              <a:t>Promise</a:t>
+            </a:r>
+            <a:r>
+              <a:rPr lang="hr-HR" dirty="0" smtClean="0"/>
+              <a:t> vs </a:t>
+            </a:r>
+            <a:r>
+              <a:rPr lang="hr-HR" dirty="0" err="1" smtClean="0"/>
+              <a:t>Observable</a:t>
+            </a:r>
+            <a:endParaRPr lang="hr-HR" dirty="0"/>
+          </a:p>
+        </p:txBody>
+      </p:sp>
+      <p:sp>
+        <p:nvSpPr>
+          <p:cNvPr id="3" name="Content Placeholder 2"/>
+          <p:cNvSpPr>
+            <a:spLocks noGrp="1"/>
+          </p:cNvSpPr>
+          <p:nvPr>
+            <p:ph idx="1"/>
+          </p:nvPr>
+        </p:nvSpPr>
+        <p:spPr/>
+        <p:txBody>
+          <a:bodyPr/>
+          <a:lstStyle/>
+          <a:p>
+            <a:r>
+              <a:rPr lang="hr-HR" dirty="0" err="1" smtClean="0"/>
+              <a:t>Observable</a:t>
+            </a:r>
+            <a:r>
+              <a:rPr lang="hr-HR" dirty="0"/>
+              <a:t> </a:t>
+            </a:r>
+            <a:r>
+              <a:rPr lang="hr-HR" dirty="0" smtClean="0"/>
+              <a:t>– korisne metode:</a:t>
+            </a:r>
+          </a:p>
+          <a:p>
+            <a:pPr lvl="1"/>
+            <a:r>
+              <a:rPr lang="hr-HR" dirty="0" err="1" smtClean="0"/>
+              <a:t>TakeUntil</a:t>
+            </a:r>
+            <a:r>
+              <a:rPr lang="hr-HR" dirty="0" smtClean="0"/>
+              <a:t>/</a:t>
+            </a:r>
+            <a:r>
+              <a:rPr lang="hr-HR" dirty="0" err="1" smtClean="0"/>
+              <a:t>SkipUntil</a:t>
+            </a:r>
+            <a:endParaRPr lang="hr-HR" dirty="0"/>
+          </a:p>
+          <a:p>
+            <a:pPr lvl="2"/>
+            <a:r>
+              <a:rPr lang="hr-HR" dirty="0" smtClean="0"/>
+              <a:t>Prekini ili ignoriraj </a:t>
+            </a:r>
+            <a:r>
+              <a:rPr lang="hr-HR" dirty="0" err="1" smtClean="0"/>
+              <a:t>observable</a:t>
+            </a:r>
+            <a:r>
+              <a:rPr lang="hr-HR" dirty="0" smtClean="0"/>
+              <a:t> ovisno o rezultatu drugog </a:t>
+            </a:r>
+            <a:r>
+              <a:rPr lang="hr-HR" dirty="0" err="1" smtClean="0"/>
+              <a:t>observablea</a:t>
+            </a:r>
+            <a:endParaRPr lang="hr-HR" dirty="0" smtClean="0"/>
+          </a:p>
+        </p:txBody>
+      </p:sp>
+    </p:spTree>
+    <p:extLst>
+      <p:ext uri="{BB962C8B-B14F-4D97-AF65-F5344CB8AC3E}">
+        <p14:creationId xmlns:p14="http://schemas.microsoft.com/office/powerpoint/2010/main" val="904600160"/>
+      </p:ext>
+    </p:extLst>
+  </p:cSld>
+  <p:clrMapOvr>
+    <a:masterClrMapping/>
+  </p:clrMapOvr>
+</p:sld>
+</file>
+
+<file path=ppt/slides/slide43.xml><?xml version="1.0" encoding="utf-8"?>
+<p:sld xmlns:a="http://schemas.openxmlformats.org/drawingml/2006/main" xmlns:r="http://schemas.openxmlformats.org/officeDocument/2006/relationships" xmlns:p="http://schemas.openxmlformats.org/presentationml/2006/main">
+  <p:cSld>
+    <p:spTree>
+      <p:nvGrpSpPr>
+        <p:cNvPr id="1" name=""/>
+        <p:cNvGrpSpPr/>
+        <p:nvPr/>
+      </p:nvGrpSpPr>
+      <p:grpSpPr>
+        <a:xfrm>
+          <a:off x="0" y="0"/>
+          <a:ext cx="0" cy="0"/>
+          <a:chOff x="0" y="0"/>
+          <a:chExt cx="0" cy="0"/>
+        </a:xfrm>
+      </p:grpSpPr>
+      <p:sp>
+        <p:nvSpPr>
+          <p:cNvPr id="2" name="Title 1"/>
+          <p:cNvSpPr>
+            <a:spLocks noGrp="1"/>
+          </p:cNvSpPr>
+          <p:nvPr>
+            <p:ph type="title"/>
+          </p:nvPr>
+        </p:nvSpPr>
+        <p:spPr/>
+        <p:txBody>
+          <a:bodyPr/>
+          <a:lstStyle/>
+          <a:p>
+            <a:r>
+              <a:rPr lang="hr-HR" dirty="0" err="1" smtClean="0"/>
+              <a:t>Promise</a:t>
+            </a:r>
+            <a:r>
+              <a:rPr lang="hr-HR" dirty="0" smtClean="0"/>
+              <a:t> vs </a:t>
+            </a:r>
+            <a:r>
+              <a:rPr lang="hr-HR" dirty="0" err="1" smtClean="0"/>
+              <a:t>Observable</a:t>
+            </a:r>
+            <a:endParaRPr lang="hr-HR" dirty="0"/>
+          </a:p>
+        </p:txBody>
+      </p:sp>
+      <p:sp>
+        <p:nvSpPr>
+          <p:cNvPr id="3" name="Content Placeholder 2"/>
+          <p:cNvSpPr>
+            <a:spLocks noGrp="1"/>
+          </p:cNvSpPr>
+          <p:nvPr>
+            <p:ph idx="1"/>
+          </p:nvPr>
+        </p:nvSpPr>
+        <p:spPr/>
+        <p:txBody>
+          <a:bodyPr/>
+          <a:lstStyle/>
+          <a:p>
+            <a:r>
+              <a:rPr lang="hr-HR" dirty="0" err="1" smtClean="0"/>
+              <a:t>Observable</a:t>
+            </a:r>
+            <a:r>
+              <a:rPr lang="hr-HR" dirty="0"/>
+              <a:t> </a:t>
+            </a:r>
+            <a:r>
+              <a:rPr lang="hr-HR" dirty="0" smtClean="0"/>
+              <a:t>– korisne metode:</a:t>
+            </a:r>
+          </a:p>
+          <a:p>
+            <a:pPr lvl="1"/>
+            <a:r>
+              <a:rPr lang="hr-HR" dirty="0" err="1"/>
+              <a:t>TakeWhile</a:t>
+            </a:r>
+            <a:r>
+              <a:rPr lang="hr-HR" dirty="0"/>
+              <a:t>/</a:t>
+            </a:r>
+            <a:r>
+              <a:rPr lang="hr-HR" dirty="0" err="1"/>
+              <a:t>SkipWhile</a:t>
+            </a:r>
+            <a:endParaRPr lang="hr-HR" dirty="0"/>
+          </a:p>
+          <a:p>
+            <a:pPr lvl="2"/>
+            <a:r>
+              <a:rPr lang="hr-HR" dirty="0" smtClean="0"/>
+              <a:t>Prekini ili ignoriraj </a:t>
+            </a:r>
+            <a:r>
+              <a:rPr lang="hr-HR" dirty="0" err="1" smtClean="0"/>
+              <a:t>observable</a:t>
+            </a:r>
+            <a:r>
+              <a:rPr lang="hr-HR" dirty="0" smtClean="0"/>
+              <a:t> ovisno o nekom </a:t>
+            </a:r>
+            <a:r>
+              <a:rPr lang="hr-HR" dirty="0" err="1" smtClean="0"/>
+              <a:t>boolean</a:t>
+            </a:r>
+            <a:r>
+              <a:rPr lang="hr-HR" dirty="0" smtClean="0"/>
+              <a:t> uvjetu</a:t>
+            </a:r>
+          </a:p>
+        </p:txBody>
+      </p:sp>
+    </p:spTree>
+    <p:extLst>
+      <p:ext uri="{BB962C8B-B14F-4D97-AF65-F5344CB8AC3E}">
+        <p14:creationId xmlns:p14="http://schemas.microsoft.com/office/powerpoint/2010/main" val="3133517247"/>
       </p:ext>
     </p:extLst>
   </p:cSld>
@@ -7111,8 +8038,24 @@
           <a:lstStyle/>
           <a:p>
             <a:r>
-              <a:rPr lang="hr-HR" dirty="0" err="1" smtClean="0"/>
-              <a:t>Typescript</a:t>
+              <a:rPr lang="hr-HR" dirty="0" smtClean="0"/>
+              <a:t>Pokretanje </a:t>
+            </a:r>
+            <a:r>
+              <a:rPr lang="hr-HR" dirty="0" err="1" smtClean="0"/>
+              <a:t>quickstart</a:t>
+            </a:r>
+            <a:r>
+              <a:rPr lang="hr-HR" dirty="0" smtClean="0"/>
+              <a:t> </a:t>
+            </a:r>
+            <a:r>
+              <a:rPr lang="hr-HR" dirty="0" err="1" smtClean="0"/>
+              <a:t>Angular</a:t>
+            </a:r>
+            <a:r>
+              <a:rPr lang="hr-HR" dirty="0" smtClean="0"/>
+              <a:t> projekta</a:t>
             </a:r>
             <a:endParaRPr lang="hr-HR" dirty="0"/>
           </a:p>
@@ -7135,58 +8078,150 @@
           <a:p>
             <a:r>
               <a:rPr lang="hr-HR" dirty="0" smtClean="0"/>
-              <a:t>Microsoftovo rješenje za problem koji predstavlja </a:t>
-            </a:r>
-            <a:r>
-              <a:rPr lang="hr-HR" dirty="0" err="1" smtClean="0"/>
-              <a:t>Javascript</a:t>
+              <a:t>Konačno, kako bismo stvarno pokrenuli aplikaciju u </a:t>
+            </a:r>
+            <a:r>
+              <a:rPr lang="hr-HR" dirty="0" err="1" smtClean="0"/>
+              <a:t>command</a:t>
+            </a:r>
+            <a:r>
+              <a:rPr lang="hr-HR" dirty="0" smtClean="0"/>
+              <a:t> </a:t>
+            </a:r>
+            <a:r>
+              <a:rPr lang="hr-HR" dirty="0" err="1" smtClean="0"/>
+              <a:t>prompt</a:t>
+            </a:r>
+            <a:r>
+              <a:rPr lang="hr-HR" dirty="0" smtClean="0"/>
+              <a:t> upišemo:</a:t>
+            </a:r>
+          </a:p>
+          <a:p>
+            <a:pPr lvl="1"/>
+            <a:r>
+              <a:rPr lang="hr-HR" dirty="0" err="1"/>
+              <a:t>n</a:t>
+            </a:r>
+            <a:r>
+              <a:rPr lang="hr-HR" dirty="0" err="1" smtClean="0"/>
+              <a:t>pm</a:t>
+            </a:r>
+            <a:r>
+              <a:rPr lang="hr-HR" dirty="0" smtClean="0"/>
+              <a:t> start</a:t>
+            </a:r>
+          </a:p>
+          <a:p>
+            <a:pPr lvl="1"/>
+            <a:r>
+              <a:rPr lang="hr-HR" dirty="0" smtClean="0"/>
+              <a:t>Ovom naredbom node.js pokrene niz </a:t>
+            </a:r>
+            <a:r>
+              <a:rPr lang="hr-HR" dirty="0" err="1" smtClean="0"/>
+              <a:t>skriptnih</a:t>
+            </a:r>
+            <a:r>
+              <a:rPr lang="hr-HR" dirty="0" smtClean="0"/>
+              <a:t> naredbi definiranih u </a:t>
+            </a:r>
+            <a:r>
+              <a:rPr lang="hr-HR" dirty="0" err="1" smtClean="0"/>
+              <a:t>package.json</a:t>
+            </a:r>
+            <a:r>
+              <a:rPr lang="hr-HR" dirty="0" smtClean="0"/>
+              <a:t> datoteci</a:t>
+            </a:r>
+          </a:p>
+          <a:p>
+            <a:r>
+              <a:rPr lang="hr-HR" dirty="0" smtClean="0"/>
+              <a:t>Kako bismo prekinuli izvođenje aplikacije u </a:t>
+            </a:r>
+            <a:r>
+              <a:rPr lang="hr-HR" dirty="0" err="1" smtClean="0"/>
+              <a:t>command</a:t>
+            </a:r>
+            <a:r>
+              <a:rPr lang="hr-HR" dirty="0" smtClean="0"/>
+              <a:t> </a:t>
+            </a:r>
+            <a:r>
+              <a:rPr lang="hr-HR" dirty="0" err="1" smtClean="0"/>
+              <a:t>promptu</a:t>
+            </a:r>
+            <a:r>
+              <a:rPr lang="hr-HR" dirty="0" smtClean="0"/>
+              <a:t> pritisnemo:</a:t>
+            </a:r>
+          </a:p>
+          <a:p>
+            <a:pPr lvl="1"/>
+            <a:r>
+              <a:rPr lang="hr-HR" dirty="0" err="1" smtClean="0"/>
+              <a:t>Ctrl</a:t>
+            </a:r>
+            <a:r>
+              <a:rPr lang="hr-HR" dirty="0" smtClean="0"/>
+              <a:t> + c</a:t>
+            </a:r>
+          </a:p>
+          <a:p>
+            <a:r>
+              <a:rPr lang="hr-HR" dirty="0" smtClean="0"/>
+              <a:t>Pa upišemo:</a:t>
+            </a:r>
+          </a:p>
+          <a:p>
+            <a:pPr lvl="1"/>
+            <a:r>
+              <a:rPr lang="hr-HR" dirty="0"/>
+              <a:t>y</a:t>
             </a:r>
             <a:endParaRPr lang="hr-HR" dirty="0" smtClean="0"/>
           </a:p>
           <a:p>
-            <a:r>
-              <a:rPr lang="hr-HR" dirty="0" err="1" smtClean="0"/>
-              <a:t>Nadskup</a:t>
-            </a:r>
-            <a:r>
-              <a:rPr lang="hr-HR" dirty="0" smtClean="0"/>
-              <a:t> </a:t>
-            </a:r>
-            <a:r>
-              <a:rPr lang="hr-HR" dirty="0" err="1" smtClean="0"/>
-              <a:t>Javascripta</a:t>
-            </a:r>
+            <a:pPr lvl="1"/>
             <a:endParaRPr lang="hr-HR" dirty="0" smtClean="0"/>
           </a:p>
-          <a:p>
-            <a:pPr lvl="1"/>
-            <a:r>
-              <a:rPr lang="hr-HR" dirty="0" smtClean="0"/>
-              <a:t>Bilo koja ispravna .</a:t>
-            </a:r>
-            <a:r>
-              <a:rPr lang="hr-HR" dirty="0" err="1" smtClean="0"/>
-              <a:t>js</a:t>
-            </a:r>
-            <a:r>
-              <a:rPr lang="hr-HR" dirty="0" smtClean="0"/>
-              <a:t> datoteka je odmah i ispravna .</a:t>
-            </a:r>
-            <a:r>
-              <a:rPr lang="hr-HR" dirty="0" err="1" smtClean="0"/>
-              <a:t>ts</a:t>
-            </a:r>
-            <a:r>
-              <a:rPr lang="hr-HR" dirty="0" smtClean="0"/>
-              <a:t> datoteka</a:t>
-            </a:r>
-          </a:p>
-        </p:txBody>
-      </p:sp>
+        </p:txBody>
+      </p:sp>
+      <p:pic>
+        <p:nvPicPr>
+          <p:cNvPr id="4" name="Picture 3"/>
+          <p:cNvPicPr>
+            <a:picLocks noChangeAspect="1"/>
+          </p:cNvPicPr>
+          <p:nvPr/>
+        </p:nvPicPr>
+        <p:blipFill>
+          <a:blip r:embed="rId2">
+            <a:extLst>
+              <a:ext uri="{28A0092B-C50C-407E-A947-70E740481C1C}">
+                <a14:useLocalDpi xmlns:a14="http://schemas.microsoft.com/office/drawing/2010/main" val="0"/>
+              </a:ext>
+            </a:extLst>
+          </a:blip>
+          <a:stretch>
+            <a:fillRect/>
+          </a:stretch>
+        </p:blipFill>
+        <p:spPr>
+          <a:xfrm>
+            <a:off x="5033554" y="3886200"/>
+            <a:ext cx="5442857" cy="2721429"/>
+          </a:xfrm>
+          <a:prstGeom prst="rect">
+            <a:avLst/>
+          </a:prstGeom>
+        </p:spPr>
+      </p:pic>
     </p:spTree>
     <p:extLst>
       <p:ext uri="{BB962C8B-B14F-4D97-AF65-F5344CB8AC3E}">
-        <p14:creationId xmlns:p14="http://schemas.microsoft.com/office/powerpoint/2010/main" val="2072703024"/>
+        <p14:creationId xmlns:p14="http://schemas.microsoft.com/office/powerpoint/2010/main" val="2164727707"/>
       </p:ext>
     </p:extLst>
   </p:cSld>
@@ -7229,8 +8264,8 @@
           <a:lstStyle/>
           <a:p>
             <a:r>
-              <a:rPr lang="hr-HR" dirty="0" err="1" smtClean="0"/>
-              <a:t>Typescript</a:t>
+              <a:rPr lang="hr-HR" dirty="0" smtClean="0"/>
+              <a:t>Konfiguracijske datoteke</a:t>
             </a:r>
             <a:endParaRPr lang="hr-HR" dirty="0"/>
           </a:p>
@@ -7253,41 +8288,87 @@
           <a:p>
             <a:r>
               <a:rPr lang="hr-HR" dirty="0" err="1" smtClean="0"/>
-              <a:t>Type</a:t>
-            </a:r>
-            <a:r>
-              <a:rPr lang="hr-HR" dirty="0" smtClean="0"/>
-              <a:t> </a:t>
-            </a:r>
-            <a:r>
-              <a:rPr lang="hr-HR" dirty="0" err="1" smtClean="0"/>
-              <a:t>anotations</a:t>
+              <a:t>p</a:t>
+            </a:r>
+            <a:r>
+              <a:rPr lang="hr-HR" dirty="0" err="1" smtClean="0"/>
+              <a:t>ackage.json</a:t>
             </a:r>
             <a:endParaRPr lang="hr-HR" dirty="0" smtClean="0"/>
           </a:p>
           <a:p>
-            <a:pPr lvl="1"/>
-            <a:r>
-              <a:rPr lang="hr-HR" dirty="0" smtClean="0"/>
-              <a:t>Moguće definirati tip varijable</a:t>
-            </a:r>
-          </a:p>
-          <a:p>
-            <a:pPr lvl="1"/>
-            <a:r>
-              <a:rPr lang="hr-HR" dirty="0" smtClean="0"/>
-              <a:t>Tipovi se evaluiraju prilikom kompiliranja</a:t>
-            </a:r>
-          </a:p>
-          <a:p>
+            <a:r>
+              <a:rPr lang="hr-HR" dirty="0" smtClean="0"/>
+              <a:t>Definicije node.js skripti</a:t>
+            </a:r>
+          </a:p>
+          <a:p>
+            <a:r>
+              <a:rPr lang="hr-HR" dirty="0" smtClean="0"/>
+              <a:t>Potrebni </a:t>
+            </a:r>
+            <a:r>
+              <a:rPr lang="hr-HR" dirty="0" err="1" smtClean="0"/>
+              <a:t>dependencies</a:t>
+            </a:r>
+            <a:r>
+              <a:rPr lang="hr-HR" dirty="0" smtClean="0"/>
+              <a:t> za aplikaciju</a:t>
+            </a:r>
+          </a:p>
+          <a:p>
+            <a:r>
+              <a:rPr lang="hr-HR" dirty="0" smtClean="0"/>
+              <a:t>Potrebni </a:t>
+            </a:r>
+            <a:r>
+              <a:rPr lang="hr-HR" dirty="0" err="1" smtClean="0"/>
+              <a:t>dependencies</a:t>
+            </a:r>
+            <a:r>
+              <a:rPr lang="hr-HR" dirty="0" smtClean="0"/>
+              <a:t> za razvoj i </a:t>
+            </a:r>
+            <a:r>
+              <a:rPr lang="hr-HR" dirty="0" err="1" smtClean="0"/>
+              <a:t>debugiranje</a:t>
+            </a:r>
+            <a:r>
+              <a:rPr lang="hr-HR" dirty="0" smtClean="0"/>
+              <a:t> aplikacije</a:t>
+            </a:r>
             <a:endParaRPr lang="hr-HR" dirty="0"/>
           </a:p>
         </p:txBody>
       </p:sp>
+      <p:pic>
+        <p:nvPicPr>
+          <p:cNvPr id="4" name="Picture 3"/>
+          <p:cNvPicPr>
+            <a:picLocks noChangeAspect="1"/>
+          </p:cNvPicPr>
+          <p:nvPr/>
+        </p:nvPicPr>
+        <p:blipFill>
+          <a:blip r:embed="rId2"/>
+          <a:stretch>
+            <a:fillRect/>
+          </a:stretch>
+        </p:blipFill>
+        <p:spPr>
+          <a:xfrm>
+            <a:off x="6679474" y="365125"/>
+            <a:ext cx="5033962" cy="2532692"/>
+          </a:xfrm>
+          <a:prstGeom prst="rect">
+            <a:avLst/>
+          </a:prstGeom>
+        </p:spPr>
+      </p:pic>
     </p:spTree>
     <p:extLst>
       <p:ext uri="{BB962C8B-B14F-4D97-AF65-F5344CB8AC3E}">
-        <p14:creationId xmlns:p14="http://schemas.microsoft.com/office/powerpoint/2010/main" val="595701446"/>
+        <p14:creationId xmlns:p14="http://schemas.microsoft.com/office/powerpoint/2010/main" val="2642576800"/>
       </p:ext>
     </p:extLst>
   </p:cSld>
@@ -7330,8 +8411,8 @@
           <a:lstStyle/>
           <a:p>
             <a:r>
-              <a:rPr lang="hr-HR" dirty="0" err="1" smtClean="0"/>
-              <a:t>Typescript</a:t>
+              <a:rPr lang="hr-HR" dirty="0" smtClean="0"/>
+              <a:t>Konfiguracijske datoteke</a:t>
             </a:r>
             <a:endParaRPr lang="hr-HR" dirty="0"/>
           </a:p>
@@ -7353,54 +8434,56 @@
           <a:lstStyle/>
           <a:p>
             <a:r>
-              <a:rPr lang="hr-HR" dirty="0" err="1" smtClean="0"/>
-              <a:t>Type</a:t>
-            </a:r>
-            <a:r>
-              <a:rPr lang="hr-HR" dirty="0" smtClean="0"/>
-              <a:t> </a:t>
-            </a:r>
-            <a:r>
-              <a:rPr lang="hr-HR" dirty="0" err="1" smtClean="0"/>
-              <a:t>inference</a:t>
+              <a:rPr lang="hr-HR" dirty="0" err="1"/>
+              <a:t>b</a:t>
+            </a:r>
+            <a:r>
+              <a:rPr lang="hr-HR" dirty="0" err="1" smtClean="0"/>
+              <a:t>s-config</a:t>
+            </a:r>
+            <a:r>
+              <a:rPr lang="hr-HR" dirty="0" err="1" smtClean="0"/>
+              <a:t>.json</a:t>
             </a:r>
             <a:endParaRPr lang="hr-HR" dirty="0" smtClean="0"/>
           </a:p>
           <a:p>
-            <a:pPr lvl="1"/>
-            <a:r>
-              <a:rPr lang="hr-HR" dirty="0" smtClean="0"/>
-              <a:t>Sposobnost deduciranja tipa varijable</a:t>
-            </a:r>
-          </a:p>
-          <a:p>
-            <a:r>
-              <a:rPr lang="hr-HR" dirty="0" err="1" smtClean="0"/>
-              <a:t>Type</a:t>
-            </a:r>
-            <a:r>
-              <a:rPr lang="hr-HR" dirty="0" smtClean="0"/>
-              <a:t> </a:t>
-            </a:r>
-            <a:r>
-              <a:rPr lang="hr-HR" dirty="0" err="1" smtClean="0"/>
-              <a:t>erasure</a:t>
-            </a:r>
-            <a:endParaRPr lang="hr-HR" dirty="0" smtClean="0"/>
-          </a:p>
-          <a:p>
-            <a:pPr lvl="1"/>
-            <a:r>
-              <a:rPr lang="hr-HR" dirty="0" smtClean="0"/>
-              <a:t>Prilikom kompiliranja se maknu sve informacije o tipovima varijabli</a:t>
-            </a:r>
-          </a:p>
-        </p:txBody>
-      </p:sp>
+            <a:r>
+              <a:rPr lang="hr-HR" dirty="0" smtClean="0"/>
+              <a:t>Konfiguracijska datoteka za lite-server</a:t>
+            </a:r>
+            <a:endParaRPr lang="hr-HR" dirty="0"/>
+          </a:p>
+        </p:txBody>
+      </p:sp>
+      <p:pic>
+        <p:nvPicPr>
+          <p:cNvPr id="5" name="Picture 4"/>
+          <p:cNvPicPr>
+            <a:picLocks noChangeAspect="1"/>
+          </p:cNvPicPr>
+          <p:nvPr/>
+        </p:nvPicPr>
+        <p:blipFill>
+          <a:blip r:embed="rId2"/>
+          <a:stretch>
+            <a:fillRect/>
+          </a:stretch>
+        </p:blipFill>
+        <p:spPr>
+          <a:xfrm>
+            <a:off x="1192393" y="2966221"/>
+            <a:ext cx="2962275" cy="1552575"/>
+          </a:xfrm>
+          <a:prstGeom prst="rect">
+            <a:avLst/>
+          </a:prstGeom>
+        </p:spPr>
+      </p:pic>
     </p:spTree>
     <p:extLst>
       <p:ext uri="{BB962C8B-B14F-4D97-AF65-F5344CB8AC3E}">
-        <p14:creationId xmlns:p14="http://schemas.microsoft.com/office/powerpoint/2010/main" val="1292927891"/>
+        <p14:creationId xmlns:p14="http://schemas.microsoft.com/office/powerpoint/2010/main" val="1590313670"/>
       </p:ext>
     </p:extLst>
   </p:cSld>
@@ -7443,8 +8526,8 @@
           <a:lstStyle/>
           <a:p>
             <a:r>
-              <a:rPr lang="hr-HR" dirty="0" err="1" smtClean="0"/>
-              <a:t>Typescript</a:t>
+              <a:rPr lang="hr-HR" dirty="0" smtClean="0"/>
+              <a:t>Konfiguracijske datoteke</a:t>
             </a:r>
             <a:endParaRPr lang="hr-HR" dirty="0"/>
           </a:p>
@@ -7466,29 +8549,78 @@
           <a:lstStyle/>
           <a:p>
             <a:r>
-              <a:rPr lang="hr-HR" dirty="0" err="1" smtClean="0"/>
-              <a:t>Interface</a:t>
+              <a:rPr lang="hr-HR" dirty="0" smtClean="0"/>
+              <a:t>systemjs.config.js</a:t>
             </a:r>
             <a:endParaRPr lang="hr-HR" dirty="0" smtClean="0"/>
           </a:p>
           <a:p>
-            <a:pPr lvl="1"/>
-            <a:r>
-              <a:rPr lang="hr-HR" dirty="0" smtClean="0"/>
-              <a:t>Mogućnost deklariranja i implementiranja </a:t>
-            </a:r>
-            <a:r>
-              <a:rPr lang="hr-HR" dirty="0" err="1" smtClean="0"/>
-              <a:t>interfaceova</a:t>
-            </a:r>
-            <a:endParaRPr lang="hr-HR" dirty="0" smtClean="0"/>
-          </a:p>
-        </p:txBody>
-      </p:sp>
+            <a:r>
+              <a:rPr lang="hr-HR" dirty="0" smtClean="0"/>
+              <a:t>Konfiguracijska datoteka za </a:t>
+            </a:r>
+            <a:r>
+              <a:rPr lang="hr-HR" dirty="0" err="1" smtClean="0"/>
+              <a:t>SystemJS</a:t>
+            </a:r>
+            <a:r>
+              <a:rPr lang="hr-HR" dirty="0" smtClean="0"/>
+              <a:t> – alat za učitavanje </a:t>
+            </a:r>
+            <a:r>
+              <a:rPr lang="hr-HR" dirty="0" err="1" smtClean="0"/>
+              <a:t>js</a:t>
+            </a:r>
+            <a:r>
+              <a:rPr lang="hr-HR" dirty="0" smtClean="0"/>
+              <a:t> modula</a:t>
+            </a:r>
+          </a:p>
+          <a:p>
+            <a:r>
+              <a:rPr lang="hr-HR" dirty="0" smtClean="0"/>
+              <a:t>Definiramo module koji se učitavaju za aplikaciju te kratice do istih koje zatim možemo koristiti kao import adrese u </a:t>
+            </a:r>
+            <a:r>
+              <a:rPr lang="hr-HR" dirty="0" err="1" smtClean="0"/>
+              <a:t>typescript</a:t>
+            </a:r>
+            <a:r>
+              <a:rPr lang="hr-HR" dirty="0" smtClean="0"/>
+              <a:t> datotekama</a:t>
+            </a:r>
+            <a:endParaRPr lang="hr-HR" dirty="0"/>
+          </a:p>
+        </p:txBody>
+      </p:sp>
+      <p:pic>
+        <p:nvPicPr>
+          <p:cNvPr id="4" name="Picture 3"/>
+          <p:cNvPicPr>
+            <a:picLocks noChangeAspect="1"/>
+          </p:cNvPicPr>
+          <p:nvPr/>
+        </p:nvPicPr>
+        <p:blipFill>
+          <a:blip r:embed="rId2"/>
+          <a:stretch>
+            <a:fillRect/>
+          </a:stretch>
+        </p:blipFill>
+        <p:spPr>
+          <a:xfrm>
+            <a:off x="1171575" y="4125005"/>
+            <a:ext cx="8629650" cy="1743075"/>
+          </a:xfrm>
+          <a:prstGeom prst="rect">
+            <a:avLst/>
+          </a:prstGeom>
+        </p:spPr>
+      </p:pic>
     </p:spTree>
     <p:extLst>
       <p:ext uri="{BB962C8B-B14F-4D97-AF65-F5344CB8AC3E}">
-        <p14:creationId xmlns:p14="http://schemas.microsoft.com/office/powerpoint/2010/main" val="2265983809"/>
+        <p14:creationId xmlns:p14="http://schemas.microsoft.com/office/powerpoint/2010/main" val="652433567"/>
       </p:ext>
     </p:extLst>
   </p:cSld>
@@ -7531,47 +8663,117 @@
           <a:lstStyle/>
           <a:p>
             <a:r>
+              <a:rPr lang="hr-HR" dirty="0" smtClean="0"/>
+              <a:t>Konfiguracijske datoteke</a:t>
+            </a:r>
+            <a:endParaRPr lang="hr-HR" dirty="0"/>
+          </a:p>
+        </p:txBody>
+      </p:sp>
+      <p:sp>
+        <p:nvSpPr>
+          <p:cNvPr id="3" name="Content Placeholder 2"/>
+          <p:cNvSpPr>
+            <a:spLocks noGrp="1"/>
+          </p:cNvSpPr>
+          <p:nvPr>
+            <p:ph idx="1"/>
+          </p:nvPr>
+        </p:nvSpPr>
+        <p:spPr>
+          <a:xfrm>
+            <a:off x="838200" y="1825625"/>
+            <a:ext cx="7418749" cy="4351338"/>
+          </a:xfrm>
+        </p:spPr>
+        <p:txBody>
+          <a:bodyPr/>
+          <a:lstStyle/>
+          <a:p>
+            <a:r>
+              <a:rPr lang="hr-HR" dirty="0" err="1" smtClean="0"/>
+              <a:t>tsconfig.json</a:t>
+            </a:r>
+            <a:endParaRPr lang="hr-HR" dirty="0" smtClean="0"/>
+          </a:p>
+          <a:p>
+            <a:r>
+              <a:rPr lang="hr-HR" dirty="0" smtClean="0"/>
+              <a:t>Konfiguracijska datoteka za </a:t>
+            </a:r>
+            <a:r>
               <a:rPr lang="hr-HR" dirty="0" err="1" smtClean="0"/>
               <a:t>Typescript</a:t>
             </a:r>
+            <a:r>
+              <a:rPr lang="hr-HR" dirty="0" smtClean="0"/>
+              <a:t> </a:t>
+            </a:r>
+            <a:r>
+              <a:rPr lang="hr-HR" dirty="0" err="1" smtClean="0"/>
+              <a:t>compiler</a:t>
+            </a:r>
+            <a:endParaRPr lang="hr-HR" dirty="0" smtClean="0"/>
+          </a:p>
+          <a:p>
+            <a:r>
+              <a:rPr lang="hr-HR" dirty="0" smtClean="0"/>
+              <a:t>Možemo odabrati verziju </a:t>
+            </a:r>
+            <a:r>
+              <a:rPr lang="hr-HR" dirty="0" err="1" smtClean="0"/>
+              <a:t>Javascripta</a:t>
+            </a:r>
+            <a:r>
+              <a:rPr lang="hr-HR" dirty="0" smtClean="0"/>
+              <a:t> u koju želimo kompilirat</a:t>
+            </a:r>
+          </a:p>
+          <a:p>
+            <a:r>
+              <a:rPr lang="hr-HR" dirty="0" smtClean="0"/>
+              <a:t>Možemo odabrati opcionalne </a:t>
+            </a:r>
+            <a:r>
+              <a:rPr lang="hr-HR" dirty="0" err="1" smtClean="0"/>
+              <a:t>compile</a:t>
+            </a:r>
+            <a:r>
+              <a:rPr lang="hr-HR" dirty="0" smtClean="0"/>
+              <a:t>-time provjere</a:t>
+            </a:r>
             <a:endParaRPr lang="hr-HR" dirty="0"/>
           </a:p>
         </p:txBody>
       </p:sp>
-      <p:sp>
-        <p:nvSpPr>
-          <p:cNvPr id="3" name="Content Placeholder 2"/>
-          <p:cNvSpPr>
-            <a:spLocks noGrp="1"/>
-          </p:cNvSpPr>
-          <p:nvPr>
-            <p:ph idx="1"/>
-          </p:nvPr>
-        </p:nvSpPr>
-        <p:spPr/>
-        <p:txBody>
-          <a:bodyPr/>
-          <a:lstStyle/>
-          <a:p>
-            <a:r>
-              <a:rPr lang="hr-HR" dirty="0" err="1" smtClean="0"/>
-              <a:t>Enumeration</a:t>
-            </a:r>
-            <a:endParaRPr lang="hr-HR" dirty="0" smtClean="0"/>
-          </a:p>
-          <a:p>
-            <a:pPr lvl="1"/>
-            <a:r>
-              <a:rPr lang="hr-HR" dirty="0" smtClean="0"/>
-              <a:t>Mogućnost kreiranja enumeracija</a:t>
-            </a:r>
-          </a:p>
-        </p:txBody>
-      </p:sp>
+      <p:pic>
+        <p:nvPicPr>
+          <p:cNvPr id="5" name="Picture 4"/>
+          <p:cNvPicPr>
+            <a:picLocks noChangeAspect="1"/>
+          </p:cNvPicPr>
+          <p:nvPr/>
+        </p:nvPicPr>
+        <p:blipFill>
+          <a:blip r:embed="rId2"/>
+          <a:stretch>
+            <a:fillRect/>
+          </a:stretch>
+        </p:blipFill>
+        <p:spPr>
+          <a:xfrm>
+            <a:off x="8256949" y="1908265"/>
+            <a:ext cx="3324225" cy="2362200"/>
+          </a:xfrm>
+          <a:prstGeom prst="rect">
+            <a:avLst/>
+          </a:prstGeom>
+        </p:spPr>
+      </p:pic>
     </p:spTree>
     <p:extLst>
       <p:ext uri="{BB962C8B-B14F-4D97-AF65-F5344CB8AC3E}">
-        <p14:creationId xmlns:p14="http://schemas.microsoft.com/office/powerpoint/2010/main" val="2618000096"/>
+        <p14:creationId xmlns:p14="http://schemas.microsoft.com/office/powerpoint/2010/main" val="2769018778"/>
       </p:ext>
     </p:extLst>
   </p:cSld>
